--- a/Дипломная работа - Новостной сайт Олимпийских чемпионов .pptx
+++ b/Дипломная работа - Новостной сайт Олимпийских чемпионов .pptx
@@ -2,26 +2,29 @@
 <file path=ppt/presentation.xml><?xml version="1.0" encoding="utf-8"?>
 <p:presentation xmlns:a="http://schemas.openxmlformats.org/drawingml/2006/main" xmlns:r="http://schemas.openxmlformats.org/officeDocument/2006/relationships" xmlns:p="http://schemas.openxmlformats.org/presentationml/2006/main" saveSubsetFonts="1">
   <p:sldMasterIdLst>
-    <p:sldMasterId id="2147483982" r:id="rId1"/>
+    <p:sldMasterId id="2147483999" r:id="rId1"/>
   </p:sldMasterIdLst>
   <p:notesMasterIdLst>
-    <p:notesMasterId r:id="rId16"/>
+    <p:notesMasterId r:id="rId19"/>
   </p:notesMasterIdLst>
   <p:sldIdLst>
     <p:sldId id="256" r:id="rId2"/>
     <p:sldId id="275" r:id="rId3"/>
-    <p:sldId id="265" r:id="rId4"/>
-    <p:sldId id="262" r:id="rId5"/>
-    <p:sldId id="258" r:id="rId6"/>
-    <p:sldId id="266" r:id="rId7"/>
-    <p:sldId id="267" r:id="rId8"/>
-    <p:sldId id="273" r:id="rId9"/>
-    <p:sldId id="268" r:id="rId10"/>
-    <p:sldId id="269" r:id="rId11"/>
-    <p:sldId id="270" r:id="rId12"/>
-    <p:sldId id="271" r:id="rId13"/>
-    <p:sldId id="272" r:id="rId14"/>
-    <p:sldId id="274" r:id="rId15"/>
+    <p:sldId id="278" r:id="rId4"/>
+    <p:sldId id="277" r:id="rId5"/>
+    <p:sldId id="265" r:id="rId6"/>
+    <p:sldId id="262" r:id="rId7"/>
+    <p:sldId id="258" r:id="rId8"/>
+    <p:sldId id="266" r:id="rId9"/>
+    <p:sldId id="267" r:id="rId10"/>
+    <p:sldId id="273" r:id="rId11"/>
+    <p:sldId id="268" r:id="rId12"/>
+    <p:sldId id="269" r:id="rId13"/>
+    <p:sldId id="270" r:id="rId14"/>
+    <p:sldId id="271" r:id="rId15"/>
+    <p:sldId id="272" r:id="rId16"/>
+    <p:sldId id="276" r:id="rId17"/>
+    <p:sldId id="274" r:id="rId18"/>
   </p:sldIdLst>
   <p:sldSz cx="12192000" cy="6858000"/>
   <p:notesSz cx="6858000" cy="9144000"/>
@@ -210,7 +213,7 @@
           <a:p>
             <a:fld id="{8E6BA91B-1ECF-45ED-B62E-AAAB5C45A9D4}" type="datetimeFigureOut">
               <a:rPr lang="ru-RU" smtClean="0"/>
-              <a:t>17/11/22</a:t>
+              <a:t>19/11/22</a:t>
             </a:fld>
             <a:endParaRPr lang="ru-RU"/>
           </a:p>
@@ -542,7 +545,7 @@
           <a:p>
             <a:fld id="{F27A86C4-3E7C-454C-8087-3A324BEE214F}" type="slidenum">
               <a:rPr lang="ru-RU" smtClean="0"/>
-              <a:t>4</a:t>
+              <a:t>6</a:t>
             </a:fld>
             <a:endParaRPr lang="ru-RU"/>
           </a:p>
@@ -626,7 +629,7 @@
           <a:p>
             <a:fld id="{F27A86C4-3E7C-454C-8087-3A324BEE214F}" type="slidenum">
               <a:rPr lang="ru-RU" smtClean="0"/>
-              <a:t>6</a:t>
+              <a:t>8</a:t>
             </a:fld>
             <a:endParaRPr lang="ru-RU"/>
           </a:p>
@@ -710,7 +713,7 @@
           <a:p>
             <a:fld id="{F27A86C4-3E7C-454C-8087-3A324BEE214F}" type="slidenum">
               <a:rPr lang="ru-RU" smtClean="0"/>
-              <a:t>7</a:t>
+              <a:t>9</a:t>
             </a:fld>
             <a:endParaRPr lang="ru-RU"/>
           </a:p>
@@ -794,7 +797,7 @@
           <a:p>
             <a:fld id="{F27A86C4-3E7C-454C-8087-3A324BEE214F}" type="slidenum">
               <a:rPr lang="ru-RU" smtClean="0"/>
-              <a:t>9</a:t>
+              <a:t>11</a:t>
             </a:fld>
             <a:endParaRPr lang="ru-RU"/>
           </a:p>
@@ -878,7 +881,7 @@
           <a:p>
             <a:fld id="{F27A86C4-3E7C-454C-8087-3A324BEE214F}" type="slidenum">
               <a:rPr lang="ru-RU" smtClean="0"/>
-              <a:t>12</a:t>
+              <a:t>14</a:t>
             </a:fld>
             <a:endParaRPr lang="ru-RU"/>
           </a:p>
@@ -888,6 +891,90 @@
     <p:extLst>
       <p:ext uri="{BB962C8B-B14F-4D97-AF65-F5344CB8AC3E}">
         <p14:creationId xmlns:p14="http://schemas.microsoft.com/office/powerpoint/2010/main" val="293336853"/>
+      </p:ext>
+    </p:extLst>
+  </p:cSld>
+  <p:clrMapOvr>
+    <a:masterClrMapping/>
+  </p:clrMapOvr>
+</p:notes>
+</file>
+
+<file path=ppt/notesSlides/notesSlide6.xml><?xml version="1.0" encoding="utf-8"?>
+<p:notes xmlns:a="http://schemas.openxmlformats.org/drawingml/2006/main" xmlns:r="http://schemas.openxmlformats.org/officeDocument/2006/relationships" xmlns:p="http://schemas.openxmlformats.org/presentationml/2006/main">
+  <p:cSld>
+    <p:spTree>
+      <p:nvGrpSpPr>
+        <p:cNvPr id="1" name=""/>
+        <p:cNvGrpSpPr/>
+        <p:nvPr/>
+      </p:nvGrpSpPr>
+      <p:grpSpPr>
+        <a:xfrm>
+          <a:off x="0" y="0"/>
+          <a:ext cx="0" cy="0"/>
+          <a:chOff x="0" y="0"/>
+          <a:chExt cx="0" cy="0"/>
+        </a:xfrm>
+      </p:grpSpPr>
+      <p:sp>
+        <p:nvSpPr>
+          <p:cNvPr id="2" name="Образ слайда 1"/>
+          <p:cNvSpPr>
+            <a:spLocks noGrp="1" noRot="1" noChangeAspect="1"/>
+          </p:cNvSpPr>
+          <p:nvPr>
+            <p:ph type="sldImg"/>
+          </p:nvPr>
+        </p:nvSpPr>
+        <p:spPr/>
+      </p:sp>
+      <p:sp>
+        <p:nvSpPr>
+          <p:cNvPr id="3" name="Заметки 2"/>
+          <p:cNvSpPr>
+            <a:spLocks noGrp="1"/>
+          </p:cNvSpPr>
+          <p:nvPr>
+            <p:ph type="body" idx="1"/>
+          </p:nvPr>
+        </p:nvSpPr>
+        <p:spPr/>
+        <p:txBody>
+          <a:bodyPr/>
+          <a:lstStyle/>
+          <a:p>
+            <a:endParaRPr lang="ru-RU" dirty="0"/>
+          </a:p>
+        </p:txBody>
+      </p:sp>
+      <p:sp>
+        <p:nvSpPr>
+          <p:cNvPr id="4" name="Номер слайда 3"/>
+          <p:cNvSpPr>
+            <a:spLocks noGrp="1"/>
+          </p:cNvSpPr>
+          <p:nvPr>
+            <p:ph type="sldNum" sz="quarter" idx="5"/>
+          </p:nvPr>
+        </p:nvSpPr>
+        <p:spPr/>
+        <p:txBody>
+          <a:bodyPr/>
+          <a:lstStyle/>
+          <a:p>
+            <a:fld id="{F27A86C4-3E7C-454C-8087-3A324BEE214F}" type="slidenum">
+              <a:rPr lang="ru-RU" smtClean="0"/>
+              <a:t>16</a:t>
+            </a:fld>
+            <a:endParaRPr lang="ru-RU"/>
+          </a:p>
+        </p:txBody>
+      </p:sp>
+    </p:spTree>
+    <p:extLst>
+      <p:ext uri="{BB962C8B-B14F-4D97-AF65-F5344CB8AC3E}">
+        <p14:creationId xmlns:p14="http://schemas.microsoft.com/office/powerpoint/2010/main" val="2401441387"/>
       </p:ext>
     </p:extLst>
   </p:cSld>
@@ -916,7 +1003,7 @@
       </p:grpSpPr>
       <p:grpSp>
         <p:nvGrpSpPr>
-          <p:cNvPr id="7" name="Group 6"/>
+          <p:cNvPr id="16" name="Group 15"/>
           <p:cNvGrpSpPr/>
           <p:nvPr/>
         </p:nvGrpSpPr>
@@ -928,9 +1015,72 @@
             <a:chExt cx="12192000" cy="6866467"/>
           </a:xfrm>
         </p:grpSpPr>
+        <p:sp>
+          <p:nvSpPr>
+            <p:cNvPr id="15" name="Freeform 14"/>
+            <p:cNvSpPr/>
+            <p:nvPr/>
+          </p:nvSpPr>
+          <p:spPr>
+            <a:xfrm>
+              <a:off x="0" y="-7862"/>
+              <a:ext cx="863600" cy="5698067"/>
+            </a:xfrm>
+            <a:custGeom>
+              <a:avLst/>
+              <a:gdLst/>
+              <a:ahLst/>
+              <a:cxnLst/>
+              <a:rect l="l" t="t" r="r" b="b"/>
+              <a:pathLst>
+                <a:path w="863600" h="5698067">
+                  <a:moveTo>
+                    <a:pt x="0" y="8467"/>
+                  </a:moveTo>
+                  <a:lnTo>
+                    <a:pt x="863600" y="0"/>
+                  </a:lnTo>
+                  <a:lnTo>
+                    <a:pt x="863600" y="16934"/>
+                  </a:lnTo>
+                  <a:lnTo>
+                    <a:pt x="0" y="5698067"/>
+                  </a:lnTo>
+                  <a:lnTo>
+                    <a:pt x="0" y="8467"/>
+                  </a:lnTo>
+                  <a:close/>
+                </a:path>
+              </a:pathLst>
+            </a:custGeom>
+            <a:solidFill>
+              <a:schemeClr val="accent1">
+                <a:alpha val="70000"/>
+              </a:schemeClr>
+            </a:solidFill>
+            <a:ln>
+              <a:noFill/>
+            </a:ln>
+            <a:effectLst/>
+          </p:spPr>
+          <p:style>
+            <a:lnRef idx="1">
+              <a:schemeClr val="accent1"/>
+            </a:lnRef>
+            <a:fillRef idx="3">
+              <a:schemeClr val="accent1"/>
+            </a:fillRef>
+            <a:effectRef idx="2">
+              <a:schemeClr val="accent1"/>
+            </a:effectRef>
+            <a:fontRef idx="minor">
+              <a:schemeClr val="lt1"/>
+            </a:fontRef>
+          </p:style>
+        </p:sp>
         <p:cxnSp>
           <p:nvCxnSpPr>
-            <p:cNvPr id="32" name="Straight Connector 31"/>
+            <p:cNvPr id="19" name="Straight Connector 18"/>
             <p:cNvCxnSpPr/>
             <p:nvPr/>
           </p:nvCxnSpPr>
@@ -944,8 +1094,8 @@
             </a:prstGeom>
             <a:ln w="9525">
               <a:solidFill>
-                <a:schemeClr val="bg1">
-                  <a:lumMod val="75000"/>
+                <a:schemeClr val="accent1">
+                  <a:alpha val="70000"/>
                 </a:schemeClr>
               </a:solidFill>
             </a:ln>
@@ -967,7 +1117,7 @@
         </p:cxnSp>
         <p:cxnSp>
           <p:nvCxnSpPr>
-            <p:cNvPr id="21" name="Straight Connector 20"/>
+            <p:cNvPr id="20" name="Straight Connector 19"/>
             <p:cNvCxnSpPr/>
             <p:nvPr/>
           </p:nvCxnSpPr>
@@ -981,8 +1131,8 @@
             </a:prstGeom>
             <a:ln w="9525">
               <a:solidFill>
-                <a:schemeClr val="bg1">
-                  <a:lumMod val="85000"/>
+                <a:schemeClr val="accent1">
+                  <a:alpha val="70000"/>
                 </a:schemeClr>
               </a:solidFill>
             </a:ln>
@@ -1004,7 +1154,7 @@
         </p:cxnSp>
         <p:sp>
           <p:nvSpPr>
-            <p:cNvPr id="24" name="Rectangle 23"/>
+            <p:cNvPr id="21" name="Rectangle 23"/>
             <p:cNvSpPr/>
             <p:nvPr/>
           </p:nvSpPr>
@@ -1042,7 +1192,7 @@
             </a:custGeom>
             <a:solidFill>
               <a:schemeClr val="accent1">
-                <a:alpha val="30000"/>
+                <a:alpha val="36000"/>
               </a:schemeClr>
             </a:solidFill>
             <a:ln>
@@ -1067,7 +1217,7 @@
         </p:sp>
         <p:sp>
           <p:nvSpPr>
-            <p:cNvPr id="26" name="Rectangle 25"/>
+            <p:cNvPr id="22" name="Rectangle 25"/>
             <p:cNvSpPr/>
             <p:nvPr/>
           </p:nvSpPr>
@@ -1130,7 +1280,7 @@
         </p:sp>
         <p:sp>
           <p:nvSpPr>
-            <p:cNvPr id="27" name="Isosceles Triangle 26"/>
+            <p:cNvPr id="23" name="Isosceles Triangle 22"/>
             <p:cNvSpPr/>
             <p:nvPr/>
           </p:nvSpPr>
@@ -1145,8 +1295,9 @@
               </a:avLst>
             </a:prstGeom>
             <a:solidFill>
-              <a:schemeClr val="accent2">
-                <a:alpha val="72000"/>
+              <a:schemeClr val="accent1">
+                <a:lumMod val="75000"/>
+                <a:alpha val="66000"/>
               </a:schemeClr>
             </a:solidFill>
             <a:ln>
@@ -1171,7 +1322,7 @@
         </p:sp>
         <p:sp>
           <p:nvSpPr>
-            <p:cNvPr id="28" name="Rectangle 27"/>
+            <p:cNvPr id="24" name="Rectangle 27"/>
             <p:cNvSpPr/>
             <p:nvPr/>
           </p:nvSpPr>
@@ -1208,9 +1359,9 @@
               </a:pathLst>
             </a:custGeom>
             <a:solidFill>
-              <a:schemeClr val="accent2">
+              <a:schemeClr val="accent1">
                 <a:lumMod val="75000"/>
-                <a:alpha val="70000"/>
+                <a:alpha val="50000"/>
               </a:schemeClr>
             </a:solidFill>
             <a:ln>
@@ -1235,7 +1386,7 @@
         </p:sp>
         <p:sp>
           <p:nvSpPr>
-            <p:cNvPr id="29" name="Rectangle 28"/>
+            <p:cNvPr id="25" name="Rectangle 28"/>
             <p:cNvSpPr/>
             <p:nvPr/>
           </p:nvSpPr>
@@ -1272,9 +1423,7 @@
               </a:pathLst>
             </a:custGeom>
             <a:solidFill>
-              <a:schemeClr val="accent1">
-                <a:lumMod val="60000"/>
-                <a:lumOff val="40000"/>
+              <a:schemeClr val="accent2">
                 <a:alpha val="70000"/>
               </a:schemeClr>
             </a:solidFill>
@@ -1300,7 +1449,7 @@
         </p:sp>
         <p:sp>
           <p:nvSpPr>
-            <p:cNvPr id="30" name="Rectangle 29"/>
+            <p:cNvPr id="26" name="Rectangle 29"/>
             <p:cNvSpPr/>
             <p:nvPr/>
           </p:nvSpPr>
@@ -1337,48 +1486,8 @@
               </a:pathLst>
             </a:custGeom>
             <a:solidFill>
-              <a:schemeClr val="accent1">
-                <a:alpha val="65000"/>
-              </a:schemeClr>
-            </a:solidFill>
-            <a:ln>
-              <a:noFill/>
-            </a:ln>
-            <a:effectLst/>
-          </p:spPr>
-          <p:style>
-            <a:lnRef idx="1">
-              <a:schemeClr val="accent1"/>
-            </a:lnRef>
-            <a:fillRef idx="3">
-              <a:schemeClr val="accent1"/>
-            </a:fillRef>
-            <a:effectRef idx="2">
-              <a:schemeClr val="accent1"/>
-            </a:effectRef>
-            <a:fontRef idx="minor">
-              <a:schemeClr val="lt1"/>
-            </a:fontRef>
-          </p:style>
-        </p:sp>
-        <p:sp>
-          <p:nvSpPr>
-            <p:cNvPr id="31" name="Isosceles Triangle 30"/>
-            <p:cNvSpPr/>
-            <p:nvPr/>
-          </p:nvSpPr>
-          <p:spPr>
-            <a:xfrm>
-              <a:off x="10371666" y="3589867"/>
-              <a:ext cx="1817159" cy="3268133"/>
-            </a:xfrm>
-            <a:prstGeom prst="triangle">
-              <a:avLst>
-                <a:gd name="adj" fmla="val 100000"/>
-              </a:avLst>
-            </a:prstGeom>
-            <a:solidFill>
-              <a:schemeClr val="accent1">
+              <a:schemeClr val="accent2">
+                <a:lumMod val="75000"/>
                 <a:alpha val="80000"/>
               </a:schemeClr>
             </a:solidFill>
@@ -1404,14 +1513,14 @@
         </p:sp>
         <p:sp>
           <p:nvSpPr>
-            <p:cNvPr id="19" name="Isosceles Triangle 18"/>
+            <p:cNvPr id="27" name="Isosceles Triangle 26"/>
             <p:cNvSpPr/>
             <p:nvPr/>
           </p:nvSpPr>
           <p:spPr>
-            <a:xfrm rot="10800000">
-              <a:off x="0" y="0"/>
-              <a:ext cx="842596" cy="5666154"/>
+            <a:xfrm>
+              <a:off x="10371666" y="3589867"/>
+              <a:ext cx="1817159" cy="3268133"/>
             </a:xfrm>
             <a:prstGeom prst="triangle">
               <a:avLst>
@@ -1420,7 +1529,8 @@
             </a:prstGeom>
             <a:solidFill>
               <a:schemeClr val="accent1">
-                <a:alpha val="85000"/>
+                <a:lumMod val="75000"/>
+                <a:alpha val="66000"/>
               </a:schemeClr>
             </a:solidFill>
             <a:ln>
@@ -1619,7 +1729,7 @@
           <a:p>
             <a:fld id="{97AE02FA-A4AC-4568-95A0-16940B1AD5F6}" type="datetimeFigureOut">
               <a:rPr lang="ru-RU" smtClean="0"/>
-              <a:t>17/11/22</a:t>
+              <a:t>19/11/22</a:t>
             </a:fld>
             <a:endParaRPr lang="ru-RU"/>
           </a:p>
@@ -1670,7 +1780,7 @@
     </p:spTree>
     <p:extLst>
       <p:ext uri="{BB962C8B-B14F-4D97-AF65-F5344CB8AC3E}">
-        <p14:creationId xmlns:p14="http://schemas.microsoft.com/office/powerpoint/2010/main" val="2043295294"/>
+        <p14:creationId xmlns:p14="http://schemas.microsoft.com/office/powerpoint/2010/main" val="84105788"/>
       </p:ext>
     </p:extLst>
   </p:cSld>
@@ -1870,7 +1980,7 @@
           <a:p>
             <a:fld id="{97AE02FA-A4AC-4568-95A0-16940B1AD5F6}" type="datetimeFigureOut">
               <a:rPr lang="ru-RU" smtClean="0"/>
-              <a:t>17/11/22</a:t>
+              <a:t>19/11/22</a:t>
             </a:fld>
             <a:endParaRPr lang="ru-RU"/>
           </a:p>
@@ -1921,7 +2031,7 @@
     </p:spTree>
     <p:extLst>
       <p:ext uri="{BB962C8B-B14F-4D97-AF65-F5344CB8AC3E}">
-        <p14:creationId xmlns:p14="http://schemas.microsoft.com/office/powerpoint/2010/main" val="381320623"/>
+        <p14:creationId xmlns:p14="http://schemas.microsoft.com/office/powerpoint/2010/main" val="4079090134"/>
       </p:ext>
     </p:extLst>
   </p:cSld>
@@ -2184,7 +2294,7 @@
           <a:p>
             <a:fld id="{97AE02FA-A4AC-4568-95A0-16940B1AD5F6}" type="datetimeFigureOut">
               <a:rPr lang="ru-RU" smtClean="0"/>
-              <a:t>17/11/22</a:t>
+              <a:t>19/11/22</a:t>
             </a:fld>
             <a:endParaRPr lang="ru-RU"/>
           </a:p>
@@ -2234,7 +2344,7 @@
       </p:sp>
       <p:sp>
         <p:nvSpPr>
-          <p:cNvPr id="20" name="TextBox 19"/>
+          <p:cNvPr id="24" name="TextBox 23"/>
           <p:cNvSpPr txBox="1"/>
           <p:nvPr/>
         </p:nvSpPr>
@@ -2275,7 +2385,7 @@
       </p:sp>
       <p:sp>
         <p:nvSpPr>
-          <p:cNvPr id="22" name="TextBox 21"/>
+          <p:cNvPr id="25" name="TextBox 24"/>
           <p:cNvSpPr txBox="1"/>
           <p:nvPr/>
         </p:nvSpPr>
@@ -2306,26 +2416,18 @@
                     <a:lumOff val="40000"/>
                   </a:schemeClr>
                 </a:solidFill>
+                <a:effectLst/>
                 <a:latin typeface="Arial"/>
               </a:rPr>
               <a:t>”</a:t>
             </a:r>
-            <a:endParaRPr lang="en-US" dirty="0">
-              <a:solidFill>
-                <a:schemeClr val="accent1">
-                  <a:lumMod val="60000"/>
-                  <a:lumOff val="40000"/>
-                </a:schemeClr>
-              </a:solidFill>
-              <a:latin typeface="Arial"/>
-            </a:endParaRPr>
           </a:p>
         </p:txBody>
       </p:sp>
     </p:spTree>
     <p:extLst>
       <p:ext uri="{BB962C8B-B14F-4D97-AF65-F5344CB8AC3E}">
-        <p14:creationId xmlns:p14="http://schemas.microsoft.com/office/powerpoint/2010/main" val="3334636800"/>
+        <p14:creationId xmlns:p14="http://schemas.microsoft.com/office/powerpoint/2010/main" val="1936235765"/>
       </p:ext>
     </p:extLst>
   </p:cSld>
@@ -2525,7 +2627,7 @@
           <a:p>
             <a:fld id="{97AE02FA-A4AC-4568-95A0-16940B1AD5F6}" type="datetimeFigureOut">
               <a:rPr lang="ru-RU" smtClean="0"/>
-              <a:t>17/11/22</a:t>
+              <a:t>19/11/22</a:t>
             </a:fld>
             <a:endParaRPr lang="ru-RU"/>
           </a:p>
@@ -2576,7 +2678,7 @@
     </p:spTree>
     <p:extLst>
       <p:ext uri="{BB962C8B-B14F-4D97-AF65-F5344CB8AC3E}">
-        <p14:creationId xmlns:p14="http://schemas.microsoft.com/office/powerpoint/2010/main" val="3419850388"/>
+        <p14:creationId xmlns:p14="http://schemas.microsoft.com/office/powerpoint/2010/main" val="1208464227"/>
       </p:ext>
     </p:extLst>
   </p:cSld>
@@ -2839,7 +2941,7 @@
           <a:p>
             <a:fld id="{97AE02FA-A4AC-4568-95A0-16940B1AD5F6}" type="datetimeFigureOut">
               <a:rPr lang="ru-RU" smtClean="0"/>
-              <a:t>17/11/22</a:t>
+              <a:t>19/11/22</a:t>
             </a:fld>
             <a:endParaRPr lang="ru-RU"/>
           </a:p>
@@ -2972,7 +3074,7 @@
     </p:spTree>
     <p:extLst>
       <p:ext uri="{BB962C8B-B14F-4D97-AF65-F5344CB8AC3E}">
-        <p14:creationId xmlns:p14="http://schemas.microsoft.com/office/powerpoint/2010/main" val="1941419233"/>
+        <p14:creationId xmlns:p14="http://schemas.microsoft.com/office/powerpoint/2010/main" val="1767714134"/>
       </p:ext>
     </p:extLst>
   </p:cSld>
@@ -3232,7 +3334,7 @@
           <a:p>
             <a:fld id="{97AE02FA-A4AC-4568-95A0-16940B1AD5F6}" type="datetimeFigureOut">
               <a:rPr lang="ru-RU" smtClean="0"/>
-              <a:t>17/11/22</a:t>
+              <a:t>19/11/22</a:t>
             </a:fld>
             <a:endParaRPr lang="ru-RU"/>
           </a:p>
@@ -3283,7 +3385,7 @@
     </p:spTree>
     <p:extLst>
       <p:ext uri="{BB962C8B-B14F-4D97-AF65-F5344CB8AC3E}">
-        <p14:creationId xmlns:p14="http://schemas.microsoft.com/office/powerpoint/2010/main" val="1145215162"/>
+        <p14:creationId xmlns:p14="http://schemas.microsoft.com/office/powerpoint/2010/main" val="1039108405"/>
       </p:ext>
     </p:extLst>
   </p:cSld>
@@ -3402,7 +3504,7 @@
           <a:p>
             <a:fld id="{97AE02FA-A4AC-4568-95A0-16940B1AD5F6}" type="datetimeFigureOut">
               <a:rPr lang="ru-RU" smtClean="0"/>
-              <a:t>17/11/22</a:t>
+              <a:t>19/11/22</a:t>
             </a:fld>
             <a:endParaRPr lang="ru-RU"/>
           </a:p>
@@ -3453,7 +3555,7 @@
     </p:spTree>
     <p:extLst>
       <p:ext uri="{BB962C8B-B14F-4D97-AF65-F5344CB8AC3E}">
-        <p14:creationId xmlns:p14="http://schemas.microsoft.com/office/powerpoint/2010/main" val="2621524379"/>
+        <p14:creationId xmlns:p14="http://schemas.microsoft.com/office/powerpoint/2010/main" val="84954763"/>
       </p:ext>
     </p:extLst>
   </p:cSld>
@@ -3582,7 +3684,7 @@
           <a:p>
             <a:fld id="{97AE02FA-A4AC-4568-95A0-16940B1AD5F6}" type="datetimeFigureOut">
               <a:rPr lang="ru-RU" smtClean="0"/>
-              <a:t>17/11/22</a:t>
+              <a:t>19/11/22</a:t>
             </a:fld>
             <a:endParaRPr lang="ru-RU"/>
           </a:p>
@@ -3633,7 +3735,7 @@
     </p:spTree>
     <p:extLst>
       <p:ext uri="{BB962C8B-B14F-4D97-AF65-F5344CB8AC3E}">
-        <p14:creationId xmlns:p14="http://schemas.microsoft.com/office/powerpoint/2010/main" val="3283766566"/>
+        <p14:creationId xmlns:p14="http://schemas.microsoft.com/office/powerpoint/2010/main" val="1717048243"/>
       </p:ext>
     </p:extLst>
   </p:cSld>
@@ -3672,14 +3774,8 @@
         </p:nvSpPr>
         <p:spPr/>
         <p:txBody>
-          <a:bodyPr>
-            <a:normAutofit/>
-          </a:bodyPr>
-          <a:lstStyle>
-            <a:lvl1pPr>
-              <a:defRPr sz="3600"/>
-            </a:lvl1pPr>
-          </a:lstStyle>
+          <a:bodyPr/>
+          <a:lstStyle/>
           <a:p>
             <a:r>
               <a:rPr lang="ru-RU"/>
@@ -3758,7 +3854,7 @@
           <a:p>
             <a:fld id="{97AE02FA-A4AC-4568-95A0-16940B1AD5F6}" type="datetimeFigureOut">
               <a:rPr lang="ru-RU" smtClean="0"/>
-              <a:t>17/11/22</a:t>
+              <a:t>19/11/22</a:t>
             </a:fld>
             <a:endParaRPr lang="ru-RU"/>
           </a:p>
@@ -3809,7 +3905,7 @@
     </p:spTree>
     <p:extLst>
       <p:ext uri="{BB962C8B-B14F-4D97-AF65-F5344CB8AC3E}">
-        <p14:creationId xmlns:p14="http://schemas.microsoft.com/office/powerpoint/2010/main" val="3348493934"/>
+        <p14:creationId xmlns:p14="http://schemas.microsoft.com/office/powerpoint/2010/main" val="3436450662"/>
       </p:ext>
     </p:extLst>
   </p:cSld>
@@ -4005,7 +4101,7 @@
           <a:p>
             <a:fld id="{97AE02FA-A4AC-4568-95A0-16940B1AD5F6}" type="datetimeFigureOut">
               <a:rPr lang="ru-RU" smtClean="0"/>
-              <a:t>17/11/22</a:t>
+              <a:t>19/11/22</a:t>
             </a:fld>
             <a:endParaRPr lang="ru-RU"/>
           </a:p>
@@ -4056,7 +4152,7 @@
     </p:spTree>
     <p:extLst>
       <p:ext uri="{BB962C8B-B14F-4D97-AF65-F5344CB8AC3E}">
-        <p14:creationId xmlns:p14="http://schemas.microsoft.com/office/powerpoint/2010/main" val="2834097647"/>
+        <p14:creationId xmlns:p14="http://schemas.microsoft.com/office/powerpoint/2010/main" val="860790131"/>
       </p:ext>
     </p:extLst>
   </p:cSld>
@@ -4237,7 +4333,7 @@
           <a:p>
             <a:fld id="{97AE02FA-A4AC-4568-95A0-16940B1AD5F6}" type="datetimeFigureOut">
               <a:rPr lang="ru-RU" smtClean="0"/>
-              <a:t>17/11/22</a:t>
+              <a:t>19/11/22</a:t>
             </a:fld>
             <a:endParaRPr lang="ru-RU"/>
           </a:p>
@@ -4288,7 +4384,7 @@
     </p:spTree>
     <p:extLst>
       <p:ext uri="{BB962C8B-B14F-4D97-AF65-F5344CB8AC3E}">
-        <p14:creationId xmlns:p14="http://schemas.microsoft.com/office/powerpoint/2010/main" val="2397106436"/>
+        <p14:creationId xmlns:p14="http://schemas.microsoft.com/office/powerpoint/2010/main" val="2732956629"/>
       </p:ext>
     </p:extLst>
   </p:cSld>
@@ -4611,7 +4707,7 @@
           <a:p>
             <a:fld id="{97AE02FA-A4AC-4568-95A0-16940B1AD5F6}" type="datetimeFigureOut">
               <a:rPr lang="ru-RU" smtClean="0"/>
-              <a:t>17/11/22</a:t>
+              <a:t>19/11/22</a:t>
             </a:fld>
             <a:endParaRPr lang="ru-RU"/>
           </a:p>
@@ -4662,7 +4758,7 @@
     </p:spTree>
     <p:extLst>
       <p:ext uri="{BB962C8B-B14F-4D97-AF65-F5344CB8AC3E}">
-        <p14:creationId xmlns:p14="http://schemas.microsoft.com/office/powerpoint/2010/main" val="1134327317"/>
+        <p14:creationId xmlns:p14="http://schemas.microsoft.com/office/powerpoint/2010/main" val="2954608634"/>
       </p:ext>
     </p:extLst>
   </p:cSld>
@@ -4734,7 +4830,7 @@
           <a:p>
             <a:fld id="{97AE02FA-A4AC-4568-95A0-16940B1AD5F6}" type="datetimeFigureOut">
               <a:rPr lang="ru-RU" smtClean="0"/>
-              <a:t>17/11/22</a:t>
+              <a:t>19/11/22</a:t>
             </a:fld>
             <a:endParaRPr lang="ru-RU"/>
           </a:p>
@@ -4785,7 +4881,7 @@
     </p:spTree>
     <p:extLst>
       <p:ext uri="{BB962C8B-B14F-4D97-AF65-F5344CB8AC3E}">
-        <p14:creationId xmlns:p14="http://schemas.microsoft.com/office/powerpoint/2010/main" val="772498672"/>
+        <p14:creationId xmlns:p14="http://schemas.microsoft.com/office/powerpoint/2010/main" val="1721537525"/>
       </p:ext>
     </p:extLst>
   </p:cSld>
@@ -4829,7 +4925,7 @@
           <a:p>
             <a:fld id="{97AE02FA-A4AC-4568-95A0-16940B1AD5F6}" type="datetimeFigureOut">
               <a:rPr lang="ru-RU" smtClean="0"/>
-              <a:t>17/11/22</a:t>
+              <a:t>19/11/22</a:t>
             </a:fld>
             <a:endParaRPr lang="ru-RU"/>
           </a:p>
@@ -4880,7 +4976,7 @@
     </p:spTree>
     <p:extLst>
       <p:ext uri="{BB962C8B-B14F-4D97-AF65-F5344CB8AC3E}">
-        <p14:creationId xmlns:p14="http://schemas.microsoft.com/office/powerpoint/2010/main" val="2181389829"/>
+        <p14:creationId xmlns:p14="http://schemas.microsoft.com/office/powerpoint/2010/main" val="3971807642"/>
       </p:ext>
     </p:extLst>
   </p:cSld>
@@ -5084,7 +5180,7 @@
           <a:p>
             <a:fld id="{97AE02FA-A4AC-4568-95A0-16940B1AD5F6}" type="datetimeFigureOut">
               <a:rPr lang="ru-RU" smtClean="0"/>
-              <a:t>17/11/22</a:t>
+              <a:t>19/11/22</a:t>
             </a:fld>
             <a:endParaRPr lang="ru-RU"/>
           </a:p>
@@ -5135,7 +5231,7 @@
     </p:spTree>
     <p:extLst>
       <p:ext uri="{BB962C8B-B14F-4D97-AF65-F5344CB8AC3E}">
-        <p14:creationId xmlns:p14="http://schemas.microsoft.com/office/powerpoint/2010/main" val="3374094721"/>
+        <p14:creationId xmlns:p14="http://schemas.microsoft.com/office/powerpoint/2010/main" val="2507912767"/>
       </p:ext>
     </p:extLst>
   </p:cSld>
@@ -5332,29 +5428,6 @@
       </p:sp>
       <p:sp>
         <p:nvSpPr>
-          <p:cNvPr id="5" name="Date Placeholder 4"/>
-          <p:cNvSpPr>
-            <a:spLocks noGrp="1"/>
-          </p:cNvSpPr>
-          <p:nvPr>
-            <p:ph type="dt" sz="half" idx="10"/>
-          </p:nvPr>
-        </p:nvSpPr>
-        <p:spPr/>
-        <p:txBody>
-          <a:bodyPr/>
-          <a:lstStyle/>
-          <a:p>
-            <a:fld id="{97AE02FA-A4AC-4568-95A0-16940B1AD5F6}" type="datetimeFigureOut">
-              <a:rPr lang="ru-RU" smtClean="0"/>
-              <a:t>17/11/22</a:t>
-            </a:fld>
-            <a:endParaRPr lang="ru-RU"/>
-          </a:p>
-        </p:txBody>
-      </p:sp>
-      <p:sp>
-        <p:nvSpPr>
           <p:cNvPr id="6" name="Footer Placeholder 5"/>
           <p:cNvSpPr>
             <a:spLocks noGrp="1"/>
@@ -5395,10 +5468,33 @@
           </a:p>
         </p:txBody>
       </p:sp>
+      <p:sp>
+        <p:nvSpPr>
+          <p:cNvPr id="5" name="Date Placeholder 4"/>
+          <p:cNvSpPr>
+            <a:spLocks noGrp="1"/>
+          </p:cNvSpPr>
+          <p:nvPr>
+            <p:ph type="dt" sz="half" idx="10"/>
+          </p:nvPr>
+        </p:nvSpPr>
+        <p:spPr/>
+        <p:txBody>
+          <a:bodyPr/>
+          <a:lstStyle/>
+          <a:p>
+            <a:fld id="{97AE02FA-A4AC-4568-95A0-16940B1AD5F6}" type="datetimeFigureOut">
+              <a:rPr lang="ru-RU" smtClean="0"/>
+              <a:t>19/11/22</a:t>
+            </a:fld>
+            <a:endParaRPr lang="ru-RU"/>
+          </a:p>
+        </p:txBody>
+      </p:sp>
     </p:spTree>
     <p:extLst>
       <p:ext uri="{BB962C8B-B14F-4D97-AF65-F5344CB8AC3E}">
-        <p14:creationId xmlns:p14="http://schemas.microsoft.com/office/powerpoint/2010/main" val="3992138190"/>
+        <p14:creationId xmlns:p14="http://schemas.microsoft.com/office/powerpoint/2010/main" val="1298531352"/>
       </p:ext>
     </p:extLst>
   </p:cSld>
@@ -5432,7 +5528,7 @@
       </p:grpSpPr>
       <p:grpSp>
         <p:nvGrpSpPr>
-          <p:cNvPr id="7" name="Group 6"/>
+          <p:cNvPr id="44" name="Group 43"/>
           <p:cNvGrpSpPr/>
           <p:nvPr/>
         </p:nvGrpSpPr>
@@ -5460,8 +5556,8 @@
             </a:prstGeom>
             <a:ln w="9525">
               <a:solidFill>
-                <a:schemeClr val="bg1">
-                  <a:lumMod val="75000"/>
+                <a:schemeClr val="accent1">
+                  <a:alpha val="70000"/>
                 </a:schemeClr>
               </a:solidFill>
             </a:ln>
@@ -5497,8 +5593,8 @@
             </a:prstGeom>
             <a:ln w="9525">
               <a:solidFill>
-                <a:schemeClr val="bg1">
-                  <a:lumMod val="85000"/>
+                <a:schemeClr val="accent1">
+                  <a:alpha val="70000"/>
                 </a:schemeClr>
               </a:solidFill>
             </a:ln>
@@ -5558,7 +5654,7 @@
             </a:custGeom>
             <a:solidFill>
               <a:schemeClr val="accent1">
-                <a:alpha val="30000"/>
+                <a:alpha val="36000"/>
               </a:schemeClr>
             </a:solidFill>
             <a:ln>
@@ -5661,8 +5757,9 @@
               </a:avLst>
             </a:prstGeom>
             <a:solidFill>
-              <a:schemeClr val="accent2">
-                <a:alpha val="72000"/>
+              <a:schemeClr val="accent1">
+                <a:lumMod val="75000"/>
+                <a:alpha val="66000"/>
               </a:schemeClr>
             </a:solidFill>
             <a:ln>
@@ -5724,9 +5821,9 @@
               </a:pathLst>
             </a:custGeom>
             <a:solidFill>
-              <a:schemeClr val="accent2">
+              <a:schemeClr val="accent1">
                 <a:lumMod val="75000"/>
-                <a:alpha val="70000"/>
+                <a:alpha val="50000"/>
               </a:schemeClr>
             </a:solidFill>
             <a:ln>
@@ -5788,9 +5885,7 @@
               </a:pathLst>
             </a:custGeom>
             <a:solidFill>
-              <a:schemeClr val="accent1">
-                <a:lumMod val="60000"/>
-                <a:lumOff val="40000"/>
+              <a:schemeClr val="accent2">
                 <a:alpha val="70000"/>
               </a:schemeClr>
             </a:solidFill>
@@ -5853,8 +5948,9 @@
               </a:pathLst>
             </a:custGeom>
             <a:solidFill>
-              <a:schemeClr val="accent1">
-                <a:alpha val="65000"/>
+              <a:schemeClr val="accent2">
+                <a:lumMod val="75000"/>
+                <a:alpha val="80000"/>
               </a:schemeClr>
             </a:solidFill>
             <a:ln>
@@ -5895,7 +5991,8 @@
             </a:prstGeom>
             <a:solidFill>
               <a:schemeClr val="accent1">
-                <a:alpha val="80000"/>
+                <a:lumMod val="75000"/>
+                <a:alpha val="66000"/>
               </a:schemeClr>
             </a:solidFill>
             <a:ln>
@@ -5920,7 +6017,7 @@
         </p:sp>
         <p:sp>
           <p:nvSpPr>
-            <p:cNvPr id="29" name="Isosceles Triangle 28"/>
+            <p:cNvPr id="19" name="Isosceles Triangle 18"/>
             <p:cNvSpPr/>
             <p:nvPr/>
           </p:nvSpPr>
@@ -5936,7 +6033,7 @@
             </a:prstGeom>
             <a:solidFill>
               <a:schemeClr val="accent1">
-                <a:alpha val="85000"/>
+                <a:alpha val="70000"/>
               </a:schemeClr>
             </a:solidFill>
             <a:ln>
@@ -6090,7 +6187,7 @@
           <a:p>
             <a:fld id="{97AE02FA-A4AC-4568-95A0-16940B1AD5F6}" type="datetimeFigureOut">
               <a:rPr lang="ru-RU" smtClean="0"/>
-              <a:t>17/11/22</a:t>
+              <a:t>19/11/22</a:t>
             </a:fld>
             <a:endParaRPr lang="ru-RU"/>
           </a:p>
@@ -6175,28 +6272,28 @@
     </p:spTree>
     <p:extLst>
       <p:ext uri="{BB962C8B-B14F-4D97-AF65-F5344CB8AC3E}">
-        <p14:creationId xmlns:p14="http://schemas.microsoft.com/office/powerpoint/2010/main" val="2154804405"/>
+        <p14:creationId xmlns:p14="http://schemas.microsoft.com/office/powerpoint/2010/main" val="1549518233"/>
       </p:ext>
     </p:extLst>
   </p:cSld>
   <p:clrMap bg1="lt1" tx1="dk1" bg2="lt2" tx2="dk2" accent1="accent1" accent2="accent2" accent3="accent3" accent4="accent4" accent5="accent5" accent6="accent6" hlink="hlink" folHlink="folHlink"/>
   <p:sldLayoutIdLst>
-    <p:sldLayoutId id="2147483983" r:id="rId1"/>
-    <p:sldLayoutId id="2147483984" r:id="rId2"/>
-    <p:sldLayoutId id="2147483985" r:id="rId3"/>
-    <p:sldLayoutId id="2147483986" r:id="rId4"/>
-    <p:sldLayoutId id="2147483987" r:id="rId5"/>
-    <p:sldLayoutId id="2147483988" r:id="rId6"/>
-    <p:sldLayoutId id="2147483989" r:id="rId7"/>
-    <p:sldLayoutId id="2147483990" r:id="rId8"/>
-    <p:sldLayoutId id="2147483991" r:id="rId9"/>
-    <p:sldLayoutId id="2147483992" r:id="rId10"/>
-    <p:sldLayoutId id="2147483993" r:id="rId11"/>
-    <p:sldLayoutId id="2147483994" r:id="rId12"/>
-    <p:sldLayoutId id="2147483995" r:id="rId13"/>
-    <p:sldLayoutId id="2147483996" r:id="rId14"/>
-    <p:sldLayoutId id="2147483997" r:id="rId15"/>
-    <p:sldLayoutId id="2147483998" r:id="rId16"/>
+    <p:sldLayoutId id="2147484000" r:id="rId1"/>
+    <p:sldLayoutId id="2147484001" r:id="rId2"/>
+    <p:sldLayoutId id="2147484002" r:id="rId3"/>
+    <p:sldLayoutId id="2147484003" r:id="rId4"/>
+    <p:sldLayoutId id="2147484004" r:id="rId5"/>
+    <p:sldLayoutId id="2147484005" r:id="rId6"/>
+    <p:sldLayoutId id="2147484006" r:id="rId7"/>
+    <p:sldLayoutId id="2147484007" r:id="rId8"/>
+    <p:sldLayoutId id="2147484008" r:id="rId9"/>
+    <p:sldLayoutId id="2147484009" r:id="rId10"/>
+    <p:sldLayoutId id="2147484010" r:id="rId11"/>
+    <p:sldLayoutId id="2147484011" r:id="rId12"/>
+    <p:sldLayoutId id="2147484012" r:id="rId13"/>
+    <p:sldLayoutId id="2147484013" r:id="rId14"/>
+    <p:sldLayoutId id="2147484014" r:id="rId15"/>
+    <p:sldLayoutId id="2147484015" r:id="rId16"/>
   </p:sldLayoutIdLst>
   <p:txStyles>
     <p:titleStyle>
@@ -6645,7 +6742,7 @@
         </p:nvSpPr>
         <p:spPr>
           <a:xfrm>
-            <a:off x="1552893" y="2023745"/>
+            <a:off x="1640442" y="1800225"/>
             <a:ext cx="7419974" cy="1628775"/>
           </a:xfrm>
         </p:spPr>
@@ -6742,7 +6839,7 @@
         </p:nvSpPr>
         <p:spPr>
           <a:xfrm>
-            <a:off x="4927601" y="4620828"/>
+            <a:off x="5151338" y="4231721"/>
             <a:ext cx="4450080" cy="1200150"/>
           </a:xfrm>
         </p:spPr>
@@ -6810,6 +6907,226 @@
 </file>
 
 <file path=ppt/slides/slide10.xml><?xml version="1.0" encoding="utf-8"?>
+<p:sld xmlns:a="http://schemas.openxmlformats.org/drawingml/2006/main" xmlns:r="http://schemas.openxmlformats.org/officeDocument/2006/relationships" xmlns:p="http://schemas.openxmlformats.org/presentationml/2006/main" showMasterSp="0">
+  <p:cSld>
+    <p:spTree>
+      <p:nvGrpSpPr>
+        <p:cNvPr id="1" name=""/>
+        <p:cNvGrpSpPr/>
+        <p:nvPr/>
+      </p:nvGrpSpPr>
+      <p:grpSpPr>
+        <a:xfrm>
+          <a:off x="0" y="0"/>
+          <a:ext cx="0" cy="0"/>
+          <a:chOff x="0" y="0"/>
+          <a:chExt cx="0" cy="0"/>
+        </a:xfrm>
+      </p:grpSpPr>
+      <p:sp>
+        <p:nvSpPr>
+          <p:cNvPr id="2" name="Заголовок 1">
+            <a:extLst>
+              <a:ext uri="{FF2B5EF4-FFF2-40B4-BE49-F238E27FC236}">
+                <a16:creationId xmlns:a16="http://schemas.microsoft.com/office/drawing/2014/main" id="{CF0B9D98-1E66-48D8-A3E6-67CB0452B767}"/>
+              </a:ext>
+            </a:extLst>
+          </p:cNvPr>
+          <p:cNvSpPr>
+            <a:spLocks noGrp="1"/>
+          </p:cNvSpPr>
+          <p:nvPr>
+            <p:ph type="title"/>
+          </p:nvPr>
+        </p:nvSpPr>
+        <p:spPr/>
+        <p:txBody>
+          <a:bodyPr/>
+          <a:lstStyle/>
+          <a:p>
+            <a:endParaRPr lang="ru-RU"/>
+          </a:p>
+        </p:txBody>
+      </p:sp>
+      <p:sp>
+        <p:nvSpPr>
+          <p:cNvPr id="3" name="Объект 2">
+            <a:extLst>
+              <a:ext uri="{FF2B5EF4-FFF2-40B4-BE49-F238E27FC236}">
+                <a16:creationId xmlns:a16="http://schemas.microsoft.com/office/drawing/2014/main" id="{C5FA0163-A50F-400E-9FCA-B5EB685DC4D6}"/>
+              </a:ext>
+            </a:extLst>
+          </p:cNvPr>
+          <p:cNvSpPr>
+            <a:spLocks noGrp="1"/>
+          </p:cNvSpPr>
+          <p:nvPr>
+            <p:ph idx="1"/>
+          </p:nvPr>
+        </p:nvSpPr>
+        <p:spPr/>
+        <p:txBody>
+          <a:bodyPr/>
+          <a:lstStyle/>
+          <a:p>
+            <a:endParaRPr lang="ru-RU"/>
+          </a:p>
+        </p:txBody>
+      </p:sp>
+      <p:pic>
+        <p:nvPicPr>
+          <p:cNvPr id="4" name="Рисунок 3">
+            <a:extLst>
+              <a:ext uri="{FF2B5EF4-FFF2-40B4-BE49-F238E27FC236}">
+                <a16:creationId xmlns:a16="http://schemas.microsoft.com/office/drawing/2014/main" id="{1231D799-D89E-416B-9723-EC1555577C88}"/>
+              </a:ext>
+            </a:extLst>
+          </p:cNvPr>
+          <p:cNvPicPr>
+            <a:picLocks noChangeAspect="1"/>
+          </p:cNvPicPr>
+          <p:nvPr/>
+        </p:nvPicPr>
+        <p:blipFill>
+          <a:blip r:embed="rId2"/>
+          <a:stretch>
+            <a:fillRect/>
+          </a:stretch>
+        </p:blipFill>
+        <p:spPr>
+          <a:xfrm>
+            <a:off x="0" y="2780"/>
+            <a:ext cx="12192000" cy="6855220"/>
+          </a:xfrm>
+          <a:prstGeom prst="rect">
+            <a:avLst/>
+          </a:prstGeom>
+        </p:spPr>
+      </p:pic>
+    </p:spTree>
+    <p:extLst>
+      <p:ext uri="{BB962C8B-B14F-4D97-AF65-F5344CB8AC3E}">
+        <p14:creationId xmlns:p14="http://schemas.microsoft.com/office/powerpoint/2010/main" val="2676099337"/>
+      </p:ext>
+    </p:extLst>
+  </p:cSld>
+  <p:clrMapOvr>
+    <a:masterClrMapping/>
+  </p:clrMapOvr>
+</p:sld>
+</file>
+
+<file path=ppt/slides/slide11.xml><?xml version="1.0" encoding="utf-8"?>
+<p:sld xmlns:a="http://schemas.openxmlformats.org/drawingml/2006/main" xmlns:r="http://schemas.openxmlformats.org/officeDocument/2006/relationships" xmlns:p="http://schemas.openxmlformats.org/presentationml/2006/main" showMasterSp="0">
+  <p:cSld>
+    <p:spTree>
+      <p:nvGrpSpPr>
+        <p:cNvPr id="1" name=""/>
+        <p:cNvGrpSpPr/>
+        <p:nvPr/>
+      </p:nvGrpSpPr>
+      <p:grpSpPr>
+        <a:xfrm>
+          <a:off x="0" y="0"/>
+          <a:ext cx="0" cy="0"/>
+          <a:chOff x="0" y="0"/>
+          <a:chExt cx="0" cy="0"/>
+        </a:xfrm>
+      </p:grpSpPr>
+      <p:sp>
+        <p:nvSpPr>
+          <p:cNvPr id="2" name="Заголовок 1">
+            <a:extLst>
+              <a:ext uri="{FF2B5EF4-FFF2-40B4-BE49-F238E27FC236}">
+                <a16:creationId xmlns:a16="http://schemas.microsoft.com/office/drawing/2014/main" id="{33A408F7-B3E7-4700-B35B-58C4ECC432D5}"/>
+              </a:ext>
+            </a:extLst>
+          </p:cNvPr>
+          <p:cNvSpPr>
+            <a:spLocks noGrp="1"/>
+          </p:cNvSpPr>
+          <p:nvPr>
+            <p:ph type="title"/>
+          </p:nvPr>
+        </p:nvSpPr>
+        <p:spPr/>
+        <p:txBody>
+          <a:bodyPr/>
+          <a:lstStyle/>
+          <a:p>
+            <a:endParaRPr lang="ru-RU"/>
+          </a:p>
+        </p:txBody>
+      </p:sp>
+      <p:sp>
+        <p:nvSpPr>
+          <p:cNvPr id="3" name="Объект 2">
+            <a:extLst>
+              <a:ext uri="{FF2B5EF4-FFF2-40B4-BE49-F238E27FC236}">
+                <a16:creationId xmlns:a16="http://schemas.microsoft.com/office/drawing/2014/main" id="{610C84AE-DD64-4AB8-B0B9-5C17B463E1F1}"/>
+              </a:ext>
+            </a:extLst>
+          </p:cNvPr>
+          <p:cNvSpPr>
+            <a:spLocks noGrp="1"/>
+          </p:cNvSpPr>
+          <p:nvPr>
+            <p:ph idx="1"/>
+          </p:nvPr>
+        </p:nvSpPr>
+        <p:spPr/>
+        <p:txBody>
+          <a:bodyPr/>
+          <a:lstStyle/>
+          <a:p>
+            <a:endParaRPr lang="ru-RU"/>
+          </a:p>
+        </p:txBody>
+      </p:sp>
+      <p:pic>
+        <p:nvPicPr>
+          <p:cNvPr id="5" name="Рисунок 4">
+            <a:extLst>
+              <a:ext uri="{FF2B5EF4-FFF2-40B4-BE49-F238E27FC236}">
+                <a16:creationId xmlns:a16="http://schemas.microsoft.com/office/drawing/2014/main" id="{4FB0F035-5FA6-4575-9FB2-DEA8749D0E56}"/>
+              </a:ext>
+            </a:extLst>
+          </p:cNvPr>
+          <p:cNvPicPr>
+            <a:picLocks noChangeAspect="1"/>
+          </p:cNvPicPr>
+          <p:nvPr/>
+        </p:nvPicPr>
+        <p:blipFill>
+          <a:blip r:embed="rId3"/>
+          <a:stretch>
+            <a:fillRect/>
+          </a:stretch>
+        </p:blipFill>
+        <p:spPr>
+          <a:xfrm>
+            <a:off x="0" y="1390"/>
+            <a:ext cx="12192000" cy="6855220"/>
+          </a:xfrm>
+          <a:prstGeom prst="rect">
+            <a:avLst/>
+          </a:prstGeom>
+        </p:spPr>
+      </p:pic>
+    </p:spTree>
+    <p:extLst>
+      <p:ext uri="{BB962C8B-B14F-4D97-AF65-F5344CB8AC3E}">
+        <p14:creationId xmlns:p14="http://schemas.microsoft.com/office/powerpoint/2010/main" val="713564622"/>
+      </p:ext>
+    </p:extLst>
+  </p:cSld>
+  <p:clrMapOvr>
+    <a:masterClrMapping/>
+  </p:clrMapOvr>
+</p:sld>
+</file>
+
+<file path=ppt/slides/slide12.xml><?xml version="1.0" encoding="utf-8"?>
 <p:sld xmlns:a="http://schemas.openxmlformats.org/drawingml/2006/main" xmlns:r="http://schemas.openxmlformats.org/officeDocument/2006/relationships" xmlns:p="http://schemas.openxmlformats.org/presentationml/2006/main" showMasterSp="0">
   <p:cSld>
     <p:spTree>
@@ -6919,7 +7236,7 @@
 </p:sld>
 </file>
 
-<file path=ppt/slides/slide11.xml><?xml version="1.0" encoding="utf-8"?>
+<file path=ppt/slides/slide13.xml><?xml version="1.0" encoding="utf-8"?>
 <p:sld xmlns:a="http://schemas.openxmlformats.org/drawingml/2006/main" xmlns:r="http://schemas.openxmlformats.org/officeDocument/2006/relationships" xmlns:p="http://schemas.openxmlformats.org/presentationml/2006/main" showMasterSp="0">
   <p:cSld>
     <p:spTree>
@@ -7029,7 +7346,7 @@
 </p:sld>
 </file>
 
-<file path=ppt/slides/slide12.xml><?xml version="1.0" encoding="utf-8"?>
+<file path=ppt/slides/slide14.xml><?xml version="1.0" encoding="utf-8"?>
 <p:sld xmlns:a="http://schemas.openxmlformats.org/drawingml/2006/main" xmlns:r="http://schemas.openxmlformats.org/officeDocument/2006/relationships" xmlns:p="http://schemas.openxmlformats.org/presentationml/2006/main" showMasterSp="0">
   <p:cSld>
     <p:spTree>
@@ -7139,7 +7456,7 @@
 </p:sld>
 </file>
 
-<file path=ppt/slides/slide13.xml><?xml version="1.0" encoding="utf-8"?>
+<file path=ppt/slides/slide15.xml><?xml version="1.0" encoding="utf-8"?>
 <p:sld xmlns:a="http://schemas.openxmlformats.org/drawingml/2006/main" xmlns:r="http://schemas.openxmlformats.org/officeDocument/2006/relationships" xmlns:p="http://schemas.openxmlformats.org/presentationml/2006/main" showMasterSp="0">
   <p:cSld>
     <p:spTree>
@@ -7249,7 +7566,115 @@
 </p:sld>
 </file>
 
-<file path=ppt/slides/slide14.xml><?xml version="1.0" encoding="utf-8"?>
+<file path=ppt/slides/slide16.xml><?xml version="1.0" encoding="utf-8"?>
+<p:sld xmlns:a="http://schemas.openxmlformats.org/drawingml/2006/main" xmlns:r="http://schemas.openxmlformats.org/officeDocument/2006/relationships" xmlns:p="http://schemas.openxmlformats.org/presentationml/2006/main">
+  <p:cSld>
+    <p:bg>
+      <p:bgPr>
+        <a:solidFill>
+          <a:schemeClr val="bg1"/>
+        </a:solidFill>
+        <a:effectLst/>
+      </p:bgPr>
+    </p:bg>
+    <p:spTree>
+      <p:nvGrpSpPr>
+        <p:cNvPr id="1" name=""/>
+        <p:cNvGrpSpPr/>
+        <p:nvPr/>
+      </p:nvGrpSpPr>
+      <p:grpSpPr>
+        <a:xfrm>
+          <a:off x="0" y="0"/>
+          <a:ext cx="0" cy="0"/>
+          <a:chOff x="0" y="0"/>
+          <a:chExt cx="0" cy="0"/>
+        </a:xfrm>
+      </p:grpSpPr>
+      <p:sp>
+        <p:nvSpPr>
+          <p:cNvPr id="13" name="Заголовок 1">
+            <a:extLst>
+              <a:ext uri="{FF2B5EF4-FFF2-40B4-BE49-F238E27FC236}">
+                <a16:creationId xmlns:a16="http://schemas.microsoft.com/office/drawing/2014/main" id="{D2645DCA-CBCC-473C-8117-AF14C1B694C2}"/>
+              </a:ext>
+            </a:extLst>
+          </p:cNvPr>
+          <p:cNvSpPr>
+            <a:spLocks noGrp="1"/>
+          </p:cNvSpPr>
+          <p:nvPr>
+            <p:ph type="title"/>
+          </p:nvPr>
+        </p:nvSpPr>
+        <p:spPr>
+          <a:xfrm>
+            <a:off x="228600" y="94615"/>
+            <a:ext cx="8978900" cy="692785"/>
+          </a:xfrm>
+        </p:spPr>
+        <p:txBody>
+          <a:bodyPr/>
+          <a:lstStyle/>
+          <a:p>
+            <a:pPr algn="ctr"/>
+            <a:r>
+              <a:rPr lang="ru-RU" dirty="0">
+                <a:solidFill>
+                  <a:schemeClr val="tx1"/>
+                </a:solidFill>
+              </a:rPr>
+              <a:t>Логирование сайта</a:t>
+            </a:r>
+          </a:p>
+        </p:txBody>
+      </p:sp>
+      <p:pic>
+        <p:nvPicPr>
+          <p:cNvPr id="16" name="Объект 15">
+            <a:extLst>
+              <a:ext uri="{FF2B5EF4-FFF2-40B4-BE49-F238E27FC236}">
+                <a16:creationId xmlns:a16="http://schemas.microsoft.com/office/drawing/2014/main" id="{27332C5F-C361-4881-B562-DAD76F30106E}"/>
+              </a:ext>
+            </a:extLst>
+          </p:cNvPr>
+          <p:cNvPicPr>
+            <a:picLocks noGrp="1" noChangeAspect="1"/>
+          </p:cNvPicPr>
+          <p:nvPr>
+            <p:ph idx="1"/>
+          </p:nvPr>
+        </p:nvPicPr>
+        <p:blipFill>
+          <a:blip r:embed="rId3"/>
+          <a:stretch>
+            <a:fillRect/>
+          </a:stretch>
+        </p:blipFill>
+        <p:spPr>
+          <a:xfrm>
+            <a:off x="540024" y="927100"/>
+            <a:ext cx="8667476" cy="5323046"/>
+          </a:xfrm>
+          <a:prstGeom prst="rect">
+            <a:avLst/>
+          </a:prstGeom>
+        </p:spPr>
+      </p:pic>
+    </p:spTree>
+    <p:extLst>
+      <p:ext uri="{BB962C8B-B14F-4D97-AF65-F5344CB8AC3E}">
+        <p14:creationId xmlns:p14="http://schemas.microsoft.com/office/powerpoint/2010/main" val="2079272418"/>
+      </p:ext>
+    </p:extLst>
+  </p:cSld>
+  <p:clrMapOvr>
+    <a:masterClrMapping/>
+  </p:clrMapOvr>
+</p:sld>
+</file>
+
+<file path=ppt/slides/slide17.xml><?xml version="1.0" encoding="utf-8"?>
 <p:sld xmlns:a="http://schemas.openxmlformats.org/drawingml/2006/main" xmlns:r="http://schemas.openxmlformats.org/officeDocument/2006/relationships" xmlns:p="http://schemas.openxmlformats.org/presentationml/2006/main">
   <p:cSld>
     <p:bg>
@@ -7567,6 +7992,994 @@
           <p:cNvPr id="2" name="Заголовок 1">
             <a:extLst>
               <a:ext uri="{FF2B5EF4-FFF2-40B4-BE49-F238E27FC236}">
+                <a16:creationId xmlns:a16="http://schemas.microsoft.com/office/drawing/2014/main" id="{AB0D4C01-7A4E-4FE2-AC58-CB0B46147605}"/>
+              </a:ext>
+            </a:extLst>
+          </p:cNvPr>
+          <p:cNvSpPr>
+            <a:spLocks noGrp="1"/>
+          </p:cNvSpPr>
+          <p:nvPr>
+            <p:ph type="title"/>
+          </p:nvPr>
+        </p:nvSpPr>
+        <p:spPr/>
+        <p:txBody>
+          <a:bodyPr/>
+          <a:lstStyle/>
+          <a:p>
+            <a:pPr algn="ctr"/>
+            <a:r>
+              <a:rPr lang="ru-RU" dirty="0">
+                <a:solidFill>
+                  <a:schemeClr val="tx1"/>
+                </a:solidFill>
+                <a:latin typeface="Arial" panose="020B0604020202020204" pitchFamily="34" charset="0"/>
+                <a:cs typeface="Arial" panose="020B0604020202020204" pitchFamily="34" charset="0"/>
+              </a:rPr>
+              <a:t>Используемые технологии и библиотеки в проекте.</a:t>
+            </a:r>
+          </a:p>
+        </p:txBody>
+      </p:sp>
+      <p:sp>
+        <p:nvSpPr>
+          <p:cNvPr id="3" name="Объект 2">
+            <a:extLst>
+              <a:ext uri="{FF2B5EF4-FFF2-40B4-BE49-F238E27FC236}">
+                <a16:creationId xmlns:a16="http://schemas.microsoft.com/office/drawing/2014/main" id="{35CDCFD2-6E64-45B7-81FE-F288E4DF60AC}"/>
+              </a:ext>
+            </a:extLst>
+          </p:cNvPr>
+          <p:cNvSpPr>
+            <a:spLocks noGrp="1"/>
+          </p:cNvSpPr>
+          <p:nvPr>
+            <p:ph idx="1"/>
+          </p:nvPr>
+        </p:nvSpPr>
+        <p:spPr/>
+        <p:txBody>
+          <a:bodyPr/>
+          <a:lstStyle/>
+          <a:p>
+            <a:r>
+              <a:rPr lang="en-US" dirty="0"/>
+              <a:t>HTML5, CSS3</a:t>
+            </a:r>
+            <a:r>
+              <a:rPr lang="ru-RU" dirty="0"/>
+              <a:t>,</a:t>
+            </a:r>
+            <a:r>
+              <a:rPr lang="en-US"/>
+              <a:t>JS</a:t>
+            </a:r>
+            <a:endParaRPr lang="en-US" dirty="0"/>
+          </a:p>
+          <a:p>
+            <a:r>
+              <a:rPr lang="en-US" dirty="0"/>
+              <a:t>Python</a:t>
+            </a:r>
+            <a:r>
+              <a:rPr lang="ru-RU" dirty="0"/>
+              <a:t> 3.10</a:t>
+            </a:r>
+            <a:r>
+              <a:rPr lang="en-US" dirty="0"/>
+              <a:t>, Django 4.1, Django-filter 22.1, Pillow 9.2.0</a:t>
+            </a:r>
+          </a:p>
+        </p:txBody>
+      </p:sp>
+    </p:spTree>
+    <p:extLst>
+      <p:ext uri="{BB962C8B-B14F-4D97-AF65-F5344CB8AC3E}">
+        <p14:creationId xmlns:p14="http://schemas.microsoft.com/office/powerpoint/2010/main" val="561935923"/>
+      </p:ext>
+    </p:extLst>
+  </p:cSld>
+  <p:clrMapOvr>
+    <a:masterClrMapping/>
+  </p:clrMapOvr>
+</p:sld>
+</file>
+
+<file path=ppt/slides/slide4.xml><?xml version="1.0" encoding="utf-8"?>
+<p:sld xmlns:a="http://schemas.openxmlformats.org/drawingml/2006/main" xmlns:r="http://schemas.openxmlformats.org/officeDocument/2006/relationships" xmlns:p="http://schemas.openxmlformats.org/presentationml/2006/main">
+  <p:cSld>
+    <p:spTree>
+      <p:nvGrpSpPr>
+        <p:cNvPr id="1" name=""/>
+        <p:cNvGrpSpPr/>
+        <p:nvPr/>
+      </p:nvGrpSpPr>
+      <p:grpSpPr>
+        <a:xfrm>
+          <a:off x="0" y="0"/>
+          <a:ext cx="0" cy="0"/>
+          <a:chOff x="0" y="0"/>
+          <a:chExt cx="0" cy="0"/>
+        </a:xfrm>
+      </p:grpSpPr>
+      <p:sp>
+        <p:nvSpPr>
+          <p:cNvPr id="2" name="Заголовок 1">
+            <a:extLst>
+              <a:ext uri="{FF2B5EF4-FFF2-40B4-BE49-F238E27FC236}">
+                <a16:creationId xmlns:a16="http://schemas.microsoft.com/office/drawing/2014/main" id="{7B7D2012-0064-46C7-A048-24A442E6E2AD}"/>
+              </a:ext>
+            </a:extLst>
+          </p:cNvPr>
+          <p:cNvSpPr>
+            <a:spLocks noGrp="1"/>
+          </p:cNvSpPr>
+          <p:nvPr>
+            <p:ph type="title"/>
+          </p:nvPr>
+        </p:nvSpPr>
+        <p:spPr>
+          <a:xfrm>
+            <a:off x="531419" y="156238"/>
+            <a:ext cx="8596668" cy="884622"/>
+          </a:xfrm>
+        </p:spPr>
+        <p:txBody>
+          <a:bodyPr>
+            <a:normAutofit/>
+          </a:bodyPr>
+          <a:lstStyle/>
+          <a:p>
+            <a:pPr algn="ctr"/>
+            <a:r>
+              <a:rPr lang="ru-RU" b="1" dirty="0">
+                <a:solidFill>
+                  <a:schemeClr val="bg2">
+                    <a:lumMod val="10000"/>
+                  </a:schemeClr>
+                </a:solidFill>
+                <a:latin typeface="Arial" panose="020B0604020202020204" pitchFamily="34" charset="0"/>
+                <a:cs typeface="Arial" panose="020B0604020202020204" pitchFamily="34" charset="0"/>
+              </a:rPr>
+              <a:t>Выбор СУБД</a:t>
+            </a:r>
+          </a:p>
+        </p:txBody>
+      </p:sp>
+      <p:graphicFrame>
+        <p:nvGraphicFramePr>
+          <p:cNvPr id="4" name="Таблица 4">
+            <a:extLst>
+              <a:ext uri="{FF2B5EF4-FFF2-40B4-BE49-F238E27FC236}">
+                <a16:creationId xmlns:a16="http://schemas.microsoft.com/office/drawing/2014/main" id="{8FBE909F-C811-4927-9657-9606DFB3D8B1}"/>
+              </a:ext>
+            </a:extLst>
+          </p:cNvPr>
+          <p:cNvGraphicFramePr>
+            <a:graphicFrameLocks noGrp="1"/>
+          </p:cNvGraphicFramePr>
+          <p:nvPr>
+            <p:ph idx="1"/>
+            <p:extLst>
+              <p:ext uri="{D42A27DB-BD31-4B8C-83A1-F6EECF244321}">
+                <p14:modId xmlns:p14="http://schemas.microsoft.com/office/powerpoint/2010/main" val="1602742492"/>
+              </p:ext>
+            </p:extLst>
+          </p:nvPr>
+        </p:nvGraphicFramePr>
+        <p:xfrm>
+          <a:off x="515566" y="1040860"/>
+          <a:ext cx="8375629" cy="5700771"/>
+        </p:xfrm>
+        <a:graphic>
+          <a:graphicData uri="http://schemas.openxmlformats.org/drawingml/2006/table">
+            <a:tbl>
+              <a:tblPr firstRow="1" bandRow="1">
+                <a:tableStyleId>{5C22544A-7EE6-4342-B048-85BDC9FD1C3A}</a:tableStyleId>
+              </a:tblPr>
+              <a:tblGrid>
+                <a:gridCol w="2616740">
+                  <a:extLst>
+                    <a:ext uri="{9D8B030D-6E8A-4147-A177-3AD203B41FA5}">
+                      <a16:colId xmlns:a16="http://schemas.microsoft.com/office/drawing/2014/main" val="2149595682"/>
+                    </a:ext>
+                  </a:extLst>
+                </a:gridCol>
+                <a:gridCol w="1789890">
+                  <a:extLst>
+                    <a:ext uri="{9D8B030D-6E8A-4147-A177-3AD203B41FA5}">
+                      <a16:colId xmlns:a16="http://schemas.microsoft.com/office/drawing/2014/main" val="4236565473"/>
+                    </a:ext>
+                  </a:extLst>
+                </a:gridCol>
+                <a:gridCol w="2295727">
+                  <a:extLst>
+                    <a:ext uri="{9D8B030D-6E8A-4147-A177-3AD203B41FA5}">
+                      <a16:colId xmlns:a16="http://schemas.microsoft.com/office/drawing/2014/main" val="2738719418"/>
+                    </a:ext>
+                  </a:extLst>
+                </a:gridCol>
+                <a:gridCol w="1673272">
+                  <a:extLst>
+                    <a:ext uri="{9D8B030D-6E8A-4147-A177-3AD203B41FA5}">
+                      <a16:colId xmlns:a16="http://schemas.microsoft.com/office/drawing/2014/main" val="2093115748"/>
+                    </a:ext>
+                  </a:extLst>
+                </a:gridCol>
+              </a:tblGrid>
+              <a:tr h="367143">
+                <a:tc>
+                  <a:txBody>
+                    <a:bodyPr/>
+                    <a:lstStyle/>
+                    <a:p>
+                      <a:endParaRPr lang="ru-RU" sz="1800" b="0" dirty="0">
+                        <a:latin typeface="Arial" panose="020B0604020202020204" pitchFamily="34" charset="0"/>
+                        <a:cs typeface="Arial" panose="020B0604020202020204" pitchFamily="34" charset="0"/>
+                      </a:endParaRPr>
+                    </a:p>
+                  </a:txBody>
+                  <a:tcPr/>
+                </a:tc>
+                <a:tc>
+                  <a:txBody>
+                    <a:bodyPr/>
+                    <a:lstStyle/>
+                    <a:p>
+                      <a:pPr algn="ctr"/>
+                      <a:r>
+                        <a:rPr lang="en-US" sz="1800" b="0" i="0" kern="1200" dirty="0">
+                          <a:solidFill>
+                            <a:schemeClr val="lt1"/>
+                          </a:solidFill>
+                          <a:effectLst/>
+                          <a:latin typeface="Arial" panose="020B0604020202020204" pitchFamily="34" charset="0"/>
+                          <a:ea typeface="+mn-ea"/>
+                          <a:cs typeface="Arial" panose="020B0604020202020204" pitchFamily="34" charset="0"/>
+                        </a:rPr>
+                        <a:t>SQLite </a:t>
+                      </a:r>
+                      <a:endParaRPr lang="ru-RU" sz="1800" b="0" dirty="0">
+                        <a:latin typeface="Arial" panose="020B0604020202020204" pitchFamily="34" charset="0"/>
+                        <a:cs typeface="Arial" panose="020B0604020202020204" pitchFamily="34" charset="0"/>
+                      </a:endParaRPr>
+                    </a:p>
+                  </a:txBody>
+                  <a:tcPr/>
+                </a:tc>
+                <a:tc>
+                  <a:txBody>
+                    <a:bodyPr/>
+                    <a:lstStyle/>
+                    <a:p>
+                      <a:pPr algn="ctr"/>
+                      <a:r>
+                        <a:rPr lang="en-US" sz="1800" b="0" i="0" kern="1200" dirty="0">
+                          <a:solidFill>
+                            <a:schemeClr val="lt1"/>
+                          </a:solidFill>
+                          <a:effectLst/>
+                          <a:latin typeface="Arial" panose="020B0604020202020204" pitchFamily="34" charset="0"/>
+                          <a:ea typeface="+mn-ea"/>
+                          <a:cs typeface="Arial" panose="020B0604020202020204" pitchFamily="34" charset="0"/>
+                        </a:rPr>
+                        <a:t>MySQL </a:t>
+                      </a:r>
+                      <a:endParaRPr lang="ru-RU" sz="1800" b="0" dirty="0">
+                        <a:latin typeface="Arial" panose="020B0604020202020204" pitchFamily="34" charset="0"/>
+                        <a:cs typeface="Arial" panose="020B0604020202020204" pitchFamily="34" charset="0"/>
+                      </a:endParaRPr>
+                    </a:p>
+                  </a:txBody>
+                  <a:tcPr/>
+                </a:tc>
+                <a:tc>
+                  <a:txBody>
+                    <a:bodyPr/>
+                    <a:lstStyle/>
+                    <a:p>
+                      <a:endParaRPr lang="ru-RU" sz="1800" b="0" dirty="0">
+                        <a:latin typeface="Arial" panose="020B0604020202020204" pitchFamily="34" charset="0"/>
+                        <a:cs typeface="Arial" panose="020B0604020202020204" pitchFamily="34" charset="0"/>
+                      </a:endParaRPr>
+                    </a:p>
+                  </a:txBody>
+                  <a:tcPr/>
+                </a:tc>
+                <a:extLst>
+                  <a:ext uri="{0D108BD9-81ED-4DB2-BD59-A6C34878D82A}">
+                    <a16:rowId xmlns:a16="http://schemas.microsoft.com/office/drawing/2014/main" val="1629141798"/>
+                  </a:ext>
+                </a:extLst>
+              </a:tr>
+              <a:tr h="603950">
+                <a:tc>
+                  <a:txBody>
+                    <a:bodyPr/>
+                    <a:lstStyle/>
+                    <a:p>
+                      <a:pPr algn="l"/>
+                      <a:r>
+                        <a:rPr lang="ru-RU" sz="1800" b="1" i="0" kern="1200" dirty="0">
+                          <a:solidFill>
+                            <a:schemeClr val="dk1"/>
+                          </a:solidFill>
+                          <a:effectLst/>
+                          <a:latin typeface="Arial" panose="020B0604020202020204" pitchFamily="34" charset="0"/>
+                          <a:ea typeface="+mn-ea"/>
+                          <a:cs typeface="Arial" panose="020B0604020202020204" pitchFamily="34" charset="0"/>
+                        </a:rPr>
+                        <a:t>Автономная база данных без сервера</a:t>
+                      </a:r>
+                      <a:endParaRPr lang="ru-RU" sz="1800" b="1" i="0" dirty="0">
+                        <a:latin typeface="Arial" panose="020B0604020202020204" pitchFamily="34" charset="0"/>
+                        <a:cs typeface="Arial" panose="020B0604020202020204" pitchFamily="34" charset="0"/>
+                      </a:endParaRPr>
+                    </a:p>
+                  </a:txBody>
+                  <a:tcPr/>
+                </a:tc>
+                <a:tc>
+                  <a:txBody>
+                    <a:bodyPr/>
+                    <a:lstStyle/>
+                    <a:p>
+                      <a:pPr algn="ctr"/>
+                      <a:r>
+                        <a:rPr lang="ru-RU" sz="1800" dirty="0">
+                          <a:latin typeface="Arial" panose="020B0604020202020204" pitchFamily="34" charset="0"/>
+                          <a:cs typeface="Arial" panose="020B0604020202020204" pitchFamily="34" charset="0"/>
+                        </a:rPr>
+                        <a:t>+</a:t>
+                      </a:r>
+                    </a:p>
+                  </a:txBody>
+                  <a:tcPr anchor="ctr"/>
+                </a:tc>
+                <a:tc>
+                  <a:txBody>
+                    <a:bodyPr/>
+                    <a:lstStyle/>
+                    <a:p>
+                      <a:pPr algn="ctr"/>
+                      <a:r>
+                        <a:rPr lang="ru-RU" sz="1800" dirty="0">
+                          <a:latin typeface="Arial" panose="020B0604020202020204" pitchFamily="34" charset="0"/>
+                          <a:cs typeface="Arial" panose="020B0604020202020204" pitchFamily="34" charset="0"/>
+                        </a:rPr>
+                        <a:t>-</a:t>
+                      </a:r>
+                    </a:p>
+                  </a:txBody>
+                  <a:tcPr anchor="ctr"/>
+                </a:tc>
+                <a:tc>
+                  <a:txBody>
+                    <a:bodyPr/>
+                    <a:lstStyle/>
+                    <a:p>
+                      <a:endParaRPr lang="ru-RU" sz="1800" dirty="0">
+                        <a:latin typeface="Arial" panose="020B0604020202020204" pitchFamily="34" charset="0"/>
+                        <a:cs typeface="Arial" panose="020B0604020202020204" pitchFamily="34" charset="0"/>
+                      </a:endParaRPr>
+                    </a:p>
+                  </a:txBody>
+                  <a:tcPr anchor="ctr"/>
+                </a:tc>
+                <a:extLst>
+                  <a:ext uri="{0D108BD9-81ED-4DB2-BD59-A6C34878D82A}">
+                    <a16:rowId xmlns:a16="http://schemas.microsoft.com/office/drawing/2014/main" val="2407229187"/>
+                  </a:ext>
+                </a:extLst>
+              </a:tr>
+              <a:tr h="862786">
+                <a:tc>
+                  <a:txBody>
+                    <a:bodyPr/>
+                    <a:lstStyle/>
+                    <a:p>
+                      <a:r>
+                        <a:rPr lang="ru-RU" sz="1800" b="1" i="0" dirty="0">
+                          <a:latin typeface="Arial" panose="020B0604020202020204" pitchFamily="34" charset="0"/>
+                          <a:cs typeface="Arial" panose="020B0604020202020204" pitchFamily="34" charset="0"/>
+                        </a:rPr>
+                        <a:t>Сколько поддерживает типов данных</a:t>
+                      </a:r>
+                    </a:p>
+                  </a:txBody>
+                  <a:tcPr/>
+                </a:tc>
+                <a:tc>
+                  <a:txBody>
+                    <a:bodyPr/>
+                    <a:lstStyle/>
+                    <a:p>
+                      <a:pPr algn="ctr"/>
+                      <a:endParaRPr lang="ru-RU" sz="1800" dirty="0">
+                        <a:latin typeface="Arial" panose="020B0604020202020204" pitchFamily="34" charset="0"/>
+                        <a:cs typeface="Arial" panose="020B0604020202020204" pitchFamily="34" charset="0"/>
+                      </a:endParaRPr>
+                    </a:p>
+                    <a:p>
+                      <a:pPr algn="ctr"/>
+                      <a:r>
+                        <a:rPr lang="ru-RU" sz="1800" dirty="0">
+                          <a:latin typeface="Arial" panose="020B0604020202020204" pitchFamily="34" charset="0"/>
+                          <a:cs typeface="Arial" panose="020B0604020202020204" pitchFamily="34" charset="0"/>
+                        </a:rPr>
+                        <a:t>5</a:t>
+                      </a:r>
+                    </a:p>
+                  </a:txBody>
+                  <a:tcPr anchor="ctr"/>
+                </a:tc>
+                <a:tc>
+                  <a:txBody>
+                    <a:bodyPr/>
+                    <a:lstStyle/>
+                    <a:p>
+                      <a:pPr algn="ctr"/>
+                      <a:endParaRPr lang="ru-RU" sz="1800" dirty="0">
+                        <a:latin typeface="Arial" panose="020B0604020202020204" pitchFamily="34" charset="0"/>
+                        <a:cs typeface="Arial" panose="020B0604020202020204" pitchFamily="34" charset="0"/>
+                      </a:endParaRPr>
+                    </a:p>
+                    <a:p>
+                      <a:pPr algn="ctr"/>
+                      <a:r>
+                        <a:rPr lang="ru-RU" sz="1800" dirty="0">
+                          <a:latin typeface="Arial" panose="020B0604020202020204" pitchFamily="34" charset="0"/>
+                          <a:cs typeface="Arial" panose="020B0604020202020204" pitchFamily="34" charset="0"/>
+                        </a:rPr>
+                        <a:t>27</a:t>
+                      </a:r>
+                    </a:p>
+                  </a:txBody>
+                  <a:tcPr anchor="ctr"/>
+                </a:tc>
+                <a:tc>
+                  <a:txBody>
+                    <a:bodyPr/>
+                    <a:lstStyle/>
+                    <a:p>
+                      <a:endParaRPr lang="ru-RU" sz="1800">
+                        <a:latin typeface="Arial" panose="020B0604020202020204" pitchFamily="34" charset="0"/>
+                        <a:cs typeface="Arial" panose="020B0604020202020204" pitchFamily="34" charset="0"/>
+                      </a:endParaRPr>
+                    </a:p>
+                  </a:txBody>
+                  <a:tcPr anchor="ctr"/>
+                </a:tc>
+                <a:extLst>
+                  <a:ext uri="{0D108BD9-81ED-4DB2-BD59-A6C34878D82A}">
+                    <a16:rowId xmlns:a16="http://schemas.microsoft.com/office/drawing/2014/main" val="766191232"/>
+                  </a:ext>
+                </a:extLst>
+              </a:tr>
+              <a:tr h="523178">
+                <a:tc>
+                  <a:txBody>
+                    <a:bodyPr/>
+                    <a:lstStyle/>
+                    <a:p>
+                      <a:r>
+                        <a:rPr lang="ru-RU" sz="1800" b="1" i="0" kern="1200" dirty="0">
+                          <a:solidFill>
+                            <a:schemeClr val="dk1"/>
+                          </a:solidFill>
+                          <a:effectLst/>
+                          <a:latin typeface="Arial" panose="020B0604020202020204" pitchFamily="34" charset="0"/>
+                          <a:ea typeface="+mn-ea"/>
+                          <a:cs typeface="Arial" panose="020B0604020202020204" pitchFamily="34" charset="0"/>
+                        </a:rPr>
+                        <a:t>Размер библиотеки</a:t>
+                      </a:r>
+                      <a:endParaRPr lang="ru-RU" sz="1800" b="1" i="0" dirty="0">
+                        <a:latin typeface="Arial" panose="020B0604020202020204" pitchFamily="34" charset="0"/>
+                        <a:cs typeface="Arial" panose="020B0604020202020204" pitchFamily="34" charset="0"/>
+                      </a:endParaRPr>
+                    </a:p>
+                  </a:txBody>
+                  <a:tcPr/>
+                </a:tc>
+                <a:tc>
+                  <a:txBody>
+                    <a:bodyPr/>
+                    <a:lstStyle/>
+                    <a:p>
+                      <a:pPr algn="ctr"/>
+                      <a:r>
+                        <a:rPr lang="ru-RU" sz="1800" b="0" i="0" kern="1200" dirty="0">
+                          <a:solidFill>
+                            <a:schemeClr val="dk1"/>
+                          </a:solidFill>
+                          <a:effectLst/>
+                          <a:latin typeface="Arial" panose="020B0604020202020204" pitchFamily="34" charset="0"/>
+                          <a:ea typeface="+mn-ea"/>
+                          <a:cs typeface="Arial" panose="020B0604020202020204" pitchFamily="34" charset="0"/>
+                        </a:rPr>
+                        <a:t> 250 КБ</a:t>
+                      </a:r>
+                      <a:endParaRPr lang="ru-RU" sz="1800" dirty="0">
+                        <a:latin typeface="Arial" panose="020B0604020202020204" pitchFamily="34" charset="0"/>
+                        <a:cs typeface="Arial" panose="020B0604020202020204" pitchFamily="34" charset="0"/>
+                      </a:endParaRPr>
+                    </a:p>
+                  </a:txBody>
+                  <a:tcPr anchor="ctr"/>
+                </a:tc>
+                <a:tc>
+                  <a:txBody>
+                    <a:bodyPr/>
+                    <a:lstStyle/>
+                    <a:p>
+                      <a:pPr algn="ctr"/>
+                      <a:r>
+                        <a:rPr lang="ru-RU" sz="1800" b="0" i="0" kern="1200" dirty="0">
+                          <a:solidFill>
+                            <a:schemeClr val="dk1"/>
+                          </a:solidFill>
+                          <a:effectLst/>
+                          <a:latin typeface="Arial" panose="020B0604020202020204" pitchFamily="34" charset="0"/>
+                          <a:ea typeface="+mn-ea"/>
+                          <a:cs typeface="Arial" panose="020B0604020202020204" pitchFamily="34" charset="0"/>
+                        </a:rPr>
+                        <a:t>600 МБ</a:t>
+                      </a:r>
+                      <a:endParaRPr lang="ru-RU" sz="1800" dirty="0">
+                        <a:latin typeface="Arial" panose="020B0604020202020204" pitchFamily="34" charset="0"/>
+                        <a:cs typeface="Arial" panose="020B0604020202020204" pitchFamily="34" charset="0"/>
+                      </a:endParaRPr>
+                    </a:p>
+                  </a:txBody>
+                  <a:tcPr anchor="ctr"/>
+                </a:tc>
+                <a:tc>
+                  <a:txBody>
+                    <a:bodyPr/>
+                    <a:lstStyle/>
+                    <a:p>
+                      <a:endParaRPr lang="ru-RU" sz="1800">
+                        <a:latin typeface="Arial" panose="020B0604020202020204" pitchFamily="34" charset="0"/>
+                        <a:cs typeface="Arial" panose="020B0604020202020204" pitchFamily="34" charset="0"/>
+                      </a:endParaRPr>
+                    </a:p>
+                  </a:txBody>
+                  <a:tcPr anchor="ctr"/>
+                </a:tc>
+                <a:extLst>
+                  <a:ext uri="{0D108BD9-81ED-4DB2-BD59-A6C34878D82A}">
+                    <a16:rowId xmlns:a16="http://schemas.microsoft.com/office/drawing/2014/main" val="2873100484"/>
+                  </a:ext>
+                </a:extLst>
+              </a:tr>
+              <a:tr h="523178">
+                <a:tc>
+                  <a:txBody>
+                    <a:bodyPr/>
+                    <a:lstStyle/>
+                    <a:p>
+                      <a:pPr marL="0" marR="0" lvl="0" indent="0" algn="l" defTabSz="457200" rtl="0" eaLnBrk="1" fontAlgn="auto" latinLnBrk="0" hangingPunct="1">
+                        <a:lnSpc>
+                          <a:spcPct val="100000"/>
+                        </a:lnSpc>
+                        <a:spcBef>
+                          <a:spcPts val="0"/>
+                        </a:spcBef>
+                        <a:spcAft>
+                          <a:spcPts val="0"/>
+                        </a:spcAft>
+                        <a:buClrTx/>
+                        <a:buSzTx/>
+                        <a:buFontTx/>
+                        <a:buNone/>
+                        <a:tabLst/>
+                        <a:defRPr/>
+                      </a:pPr>
+                      <a:r>
+                        <a:rPr lang="ru-RU" sz="1800" b="1" i="0" kern="1200" dirty="0">
+                          <a:solidFill>
+                            <a:schemeClr val="dk1"/>
+                          </a:solidFill>
+                          <a:effectLst/>
+                          <a:latin typeface="Arial" panose="020B0604020202020204" pitchFamily="34" charset="0"/>
+                          <a:ea typeface="+mn-ea"/>
+                          <a:cs typeface="Arial" panose="020B0604020202020204" pitchFamily="34" charset="0"/>
+                        </a:rPr>
+                        <a:t>Множественный доступ</a:t>
+                      </a:r>
+                    </a:p>
+                  </a:txBody>
+                  <a:tcPr/>
+                </a:tc>
+                <a:tc>
+                  <a:txBody>
+                    <a:bodyPr/>
+                    <a:lstStyle/>
+                    <a:p>
+                      <a:pPr algn="ctr"/>
+                      <a:r>
+                        <a:rPr lang="ru-RU" sz="1800" dirty="0">
+                          <a:latin typeface="Arial" panose="020B0604020202020204" pitchFamily="34" charset="0"/>
+                          <a:cs typeface="Arial" panose="020B0604020202020204" pitchFamily="34" charset="0"/>
+                        </a:rPr>
+                        <a:t>-</a:t>
+                      </a:r>
+                    </a:p>
+                  </a:txBody>
+                  <a:tcPr anchor="ctr"/>
+                </a:tc>
+                <a:tc>
+                  <a:txBody>
+                    <a:bodyPr/>
+                    <a:lstStyle/>
+                    <a:p>
+                      <a:pPr algn="ctr"/>
+                      <a:r>
+                        <a:rPr lang="ru-RU" sz="1800" dirty="0">
+                          <a:latin typeface="Arial" panose="020B0604020202020204" pitchFamily="34" charset="0"/>
+                          <a:cs typeface="Arial" panose="020B0604020202020204" pitchFamily="34" charset="0"/>
+                        </a:rPr>
+                        <a:t>+</a:t>
+                      </a:r>
+                    </a:p>
+                  </a:txBody>
+                  <a:tcPr anchor="ctr"/>
+                </a:tc>
+                <a:tc>
+                  <a:txBody>
+                    <a:bodyPr/>
+                    <a:lstStyle/>
+                    <a:p>
+                      <a:endParaRPr lang="ru-RU" sz="1800" dirty="0">
+                        <a:latin typeface="Arial" panose="020B0604020202020204" pitchFamily="34" charset="0"/>
+                        <a:cs typeface="Arial" panose="020B0604020202020204" pitchFamily="34" charset="0"/>
+                      </a:endParaRPr>
+                    </a:p>
+                  </a:txBody>
+                  <a:tcPr anchor="ctr"/>
+                </a:tc>
+                <a:extLst>
+                  <a:ext uri="{0D108BD9-81ED-4DB2-BD59-A6C34878D82A}">
+                    <a16:rowId xmlns:a16="http://schemas.microsoft.com/office/drawing/2014/main" val="1524236143"/>
+                  </a:ext>
+                </a:extLst>
+              </a:tr>
+              <a:tr h="523178">
+                <a:tc>
+                  <a:txBody>
+                    <a:bodyPr/>
+                    <a:lstStyle/>
+                    <a:p>
+                      <a:endParaRPr lang="ru-RU" sz="1800" b="1" i="0">
+                        <a:latin typeface="Arial" panose="020B0604020202020204" pitchFamily="34" charset="0"/>
+                        <a:cs typeface="Arial" panose="020B0604020202020204" pitchFamily="34" charset="0"/>
+                      </a:endParaRPr>
+                    </a:p>
+                  </a:txBody>
+                  <a:tcPr/>
+                </a:tc>
+                <a:tc>
+                  <a:txBody>
+                    <a:bodyPr/>
+                    <a:lstStyle/>
+                    <a:p>
+                      <a:endParaRPr lang="ru-RU" sz="1800">
+                        <a:latin typeface="Arial" panose="020B0604020202020204" pitchFamily="34" charset="0"/>
+                        <a:cs typeface="Arial" panose="020B0604020202020204" pitchFamily="34" charset="0"/>
+                      </a:endParaRPr>
+                    </a:p>
+                  </a:txBody>
+                  <a:tcPr anchor="ctr"/>
+                </a:tc>
+                <a:tc>
+                  <a:txBody>
+                    <a:bodyPr/>
+                    <a:lstStyle/>
+                    <a:p>
+                      <a:endParaRPr lang="ru-RU" sz="1800" dirty="0">
+                        <a:latin typeface="Arial" panose="020B0604020202020204" pitchFamily="34" charset="0"/>
+                        <a:cs typeface="Arial" panose="020B0604020202020204" pitchFamily="34" charset="0"/>
+                      </a:endParaRPr>
+                    </a:p>
+                  </a:txBody>
+                  <a:tcPr anchor="ctr"/>
+                </a:tc>
+                <a:tc>
+                  <a:txBody>
+                    <a:bodyPr/>
+                    <a:lstStyle/>
+                    <a:p>
+                      <a:endParaRPr lang="ru-RU" sz="1800" dirty="0">
+                        <a:latin typeface="Arial" panose="020B0604020202020204" pitchFamily="34" charset="0"/>
+                        <a:cs typeface="Arial" panose="020B0604020202020204" pitchFamily="34" charset="0"/>
+                      </a:endParaRPr>
+                    </a:p>
+                  </a:txBody>
+                  <a:tcPr anchor="ctr"/>
+                </a:tc>
+                <a:extLst>
+                  <a:ext uri="{0D108BD9-81ED-4DB2-BD59-A6C34878D82A}">
+                    <a16:rowId xmlns:a16="http://schemas.microsoft.com/office/drawing/2014/main" val="4192538800"/>
+                  </a:ext>
+                </a:extLst>
+              </a:tr>
+              <a:tr h="523178">
+                <a:tc>
+                  <a:txBody>
+                    <a:bodyPr/>
+                    <a:lstStyle/>
+                    <a:p>
+                      <a:endParaRPr lang="ru-RU" sz="1800" b="1" i="0">
+                        <a:latin typeface="Arial" panose="020B0604020202020204" pitchFamily="34" charset="0"/>
+                        <a:cs typeface="Arial" panose="020B0604020202020204" pitchFamily="34" charset="0"/>
+                      </a:endParaRPr>
+                    </a:p>
+                  </a:txBody>
+                  <a:tcPr/>
+                </a:tc>
+                <a:tc>
+                  <a:txBody>
+                    <a:bodyPr/>
+                    <a:lstStyle/>
+                    <a:p>
+                      <a:endParaRPr lang="ru-RU" sz="1800">
+                        <a:latin typeface="Arial" panose="020B0604020202020204" pitchFamily="34" charset="0"/>
+                        <a:cs typeface="Arial" panose="020B0604020202020204" pitchFamily="34" charset="0"/>
+                      </a:endParaRPr>
+                    </a:p>
+                  </a:txBody>
+                  <a:tcPr anchor="ctr"/>
+                </a:tc>
+                <a:tc>
+                  <a:txBody>
+                    <a:bodyPr/>
+                    <a:lstStyle/>
+                    <a:p>
+                      <a:endParaRPr lang="ru-RU" sz="1800" dirty="0">
+                        <a:latin typeface="Arial" panose="020B0604020202020204" pitchFamily="34" charset="0"/>
+                        <a:cs typeface="Arial" panose="020B0604020202020204" pitchFamily="34" charset="0"/>
+                      </a:endParaRPr>
+                    </a:p>
+                  </a:txBody>
+                  <a:tcPr anchor="ctr"/>
+                </a:tc>
+                <a:tc>
+                  <a:txBody>
+                    <a:bodyPr/>
+                    <a:lstStyle/>
+                    <a:p>
+                      <a:endParaRPr lang="ru-RU" sz="1800" dirty="0">
+                        <a:latin typeface="Arial" panose="020B0604020202020204" pitchFamily="34" charset="0"/>
+                        <a:cs typeface="Arial" panose="020B0604020202020204" pitchFamily="34" charset="0"/>
+                      </a:endParaRPr>
+                    </a:p>
+                  </a:txBody>
+                  <a:tcPr anchor="ctr"/>
+                </a:tc>
+                <a:extLst>
+                  <a:ext uri="{0D108BD9-81ED-4DB2-BD59-A6C34878D82A}">
+                    <a16:rowId xmlns:a16="http://schemas.microsoft.com/office/drawing/2014/main" val="3951835045"/>
+                  </a:ext>
+                </a:extLst>
+              </a:tr>
+              <a:tr h="523178">
+                <a:tc>
+                  <a:txBody>
+                    <a:bodyPr/>
+                    <a:lstStyle/>
+                    <a:p>
+                      <a:endParaRPr lang="ru-RU" sz="1800" b="1" i="0">
+                        <a:latin typeface="Arial" panose="020B0604020202020204" pitchFamily="34" charset="0"/>
+                        <a:cs typeface="Arial" panose="020B0604020202020204" pitchFamily="34" charset="0"/>
+                      </a:endParaRPr>
+                    </a:p>
+                  </a:txBody>
+                  <a:tcPr/>
+                </a:tc>
+                <a:tc>
+                  <a:txBody>
+                    <a:bodyPr/>
+                    <a:lstStyle/>
+                    <a:p>
+                      <a:endParaRPr lang="ru-RU" sz="1800">
+                        <a:latin typeface="Arial" panose="020B0604020202020204" pitchFamily="34" charset="0"/>
+                        <a:cs typeface="Arial" panose="020B0604020202020204" pitchFamily="34" charset="0"/>
+                      </a:endParaRPr>
+                    </a:p>
+                  </a:txBody>
+                  <a:tcPr anchor="ctr"/>
+                </a:tc>
+                <a:tc>
+                  <a:txBody>
+                    <a:bodyPr/>
+                    <a:lstStyle/>
+                    <a:p>
+                      <a:endParaRPr lang="ru-RU" sz="1800">
+                        <a:latin typeface="Arial" panose="020B0604020202020204" pitchFamily="34" charset="0"/>
+                        <a:cs typeface="Arial" panose="020B0604020202020204" pitchFamily="34" charset="0"/>
+                      </a:endParaRPr>
+                    </a:p>
+                  </a:txBody>
+                  <a:tcPr anchor="ctr"/>
+                </a:tc>
+                <a:tc>
+                  <a:txBody>
+                    <a:bodyPr/>
+                    <a:lstStyle/>
+                    <a:p>
+                      <a:endParaRPr lang="ru-RU" sz="1800" dirty="0">
+                        <a:latin typeface="Arial" panose="020B0604020202020204" pitchFamily="34" charset="0"/>
+                        <a:cs typeface="Arial" panose="020B0604020202020204" pitchFamily="34" charset="0"/>
+                      </a:endParaRPr>
+                    </a:p>
+                  </a:txBody>
+                  <a:tcPr anchor="ctr"/>
+                </a:tc>
+                <a:extLst>
+                  <a:ext uri="{0D108BD9-81ED-4DB2-BD59-A6C34878D82A}">
+                    <a16:rowId xmlns:a16="http://schemas.microsoft.com/office/drawing/2014/main" val="3171828464"/>
+                  </a:ext>
+                </a:extLst>
+              </a:tr>
+              <a:tr h="523178">
+                <a:tc>
+                  <a:txBody>
+                    <a:bodyPr/>
+                    <a:lstStyle/>
+                    <a:p>
+                      <a:endParaRPr lang="ru-RU" sz="1800" b="1" i="0">
+                        <a:latin typeface="Arial" panose="020B0604020202020204" pitchFamily="34" charset="0"/>
+                        <a:cs typeface="Arial" panose="020B0604020202020204" pitchFamily="34" charset="0"/>
+                      </a:endParaRPr>
+                    </a:p>
+                  </a:txBody>
+                  <a:tcPr/>
+                </a:tc>
+                <a:tc>
+                  <a:txBody>
+                    <a:bodyPr/>
+                    <a:lstStyle/>
+                    <a:p>
+                      <a:endParaRPr lang="ru-RU" sz="1800">
+                        <a:latin typeface="Arial" panose="020B0604020202020204" pitchFamily="34" charset="0"/>
+                        <a:cs typeface="Arial" panose="020B0604020202020204" pitchFamily="34" charset="0"/>
+                      </a:endParaRPr>
+                    </a:p>
+                  </a:txBody>
+                  <a:tcPr anchor="ctr"/>
+                </a:tc>
+                <a:tc>
+                  <a:txBody>
+                    <a:bodyPr/>
+                    <a:lstStyle/>
+                    <a:p>
+                      <a:endParaRPr lang="ru-RU" sz="1800" dirty="0">
+                        <a:latin typeface="Arial" panose="020B0604020202020204" pitchFamily="34" charset="0"/>
+                        <a:cs typeface="Arial" panose="020B0604020202020204" pitchFamily="34" charset="0"/>
+                      </a:endParaRPr>
+                    </a:p>
+                  </a:txBody>
+                  <a:tcPr anchor="ctr"/>
+                </a:tc>
+                <a:tc>
+                  <a:txBody>
+                    <a:bodyPr/>
+                    <a:lstStyle/>
+                    <a:p>
+                      <a:endParaRPr lang="ru-RU" sz="1800" dirty="0">
+                        <a:latin typeface="Arial" panose="020B0604020202020204" pitchFamily="34" charset="0"/>
+                        <a:cs typeface="Arial" panose="020B0604020202020204" pitchFamily="34" charset="0"/>
+                      </a:endParaRPr>
+                    </a:p>
+                  </a:txBody>
+                  <a:tcPr anchor="ctr"/>
+                </a:tc>
+                <a:extLst>
+                  <a:ext uri="{0D108BD9-81ED-4DB2-BD59-A6C34878D82A}">
+                    <a16:rowId xmlns:a16="http://schemas.microsoft.com/office/drawing/2014/main" val="3151177429"/>
+                  </a:ext>
+                </a:extLst>
+              </a:tr>
+              <a:tr h="523178">
+                <a:tc>
+                  <a:txBody>
+                    <a:bodyPr/>
+                    <a:lstStyle/>
+                    <a:p>
+                      <a:endParaRPr lang="ru-RU" sz="1800" b="1" i="0" dirty="0">
+                        <a:latin typeface="Arial" panose="020B0604020202020204" pitchFamily="34" charset="0"/>
+                        <a:cs typeface="Arial" panose="020B0604020202020204" pitchFamily="34" charset="0"/>
+                      </a:endParaRPr>
+                    </a:p>
+                  </a:txBody>
+                  <a:tcPr/>
+                </a:tc>
+                <a:tc>
+                  <a:txBody>
+                    <a:bodyPr/>
+                    <a:lstStyle/>
+                    <a:p>
+                      <a:endParaRPr lang="ru-RU" sz="1800">
+                        <a:latin typeface="Arial" panose="020B0604020202020204" pitchFamily="34" charset="0"/>
+                        <a:cs typeface="Arial" panose="020B0604020202020204" pitchFamily="34" charset="0"/>
+                      </a:endParaRPr>
+                    </a:p>
+                  </a:txBody>
+                  <a:tcPr anchor="ctr"/>
+                </a:tc>
+                <a:tc>
+                  <a:txBody>
+                    <a:bodyPr/>
+                    <a:lstStyle/>
+                    <a:p>
+                      <a:endParaRPr lang="ru-RU" sz="1800">
+                        <a:latin typeface="Arial" panose="020B0604020202020204" pitchFamily="34" charset="0"/>
+                        <a:cs typeface="Arial" panose="020B0604020202020204" pitchFamily="34" charset="0"/>
+                      </a:endParaRPr>
+                    </a:p>
+                  </a:txBody>
+                  <a:tcPr anchor="ctr"/>
+                </a:tc>
+                <a:tc>
+                  <a:txBody>
+                    <a:bodyPr/>
+                    <a:lstStyle/>
+                    <a:p>
+                      <a:endParaRPr lang="ru-RU" sz="1800" dirty="0">
+                        <a:latin typeface="Arial" panose="020B0604020202020204" pitchFamily="34" charset="0"/>
+                        <a:cs typeface="Arial" panose="020B0604020202020204" pitchFamily="34" charset="0"/>
+                      </a:endParaRPr>
+                    </a:p>
+                  </a:txBody>
+                  <a:tcPr anchor="ctr"/>
+                </a:tc>
+                <a:extLst>
+                  <a:ext uri="{0D108BD9-81ED-4DB2-BD59-A6C34878D82A}">
+                    <a16:rowId xmlns:a16="http://schemas.microsoft.com/office/drawing/2014/main" val="3665001696"/>
+                  </a:ext>
+                </a:extLst>
+              </a:tr>
+            </a:tbl>
+          </a:graphicData>
+        </a:graphic>
+      </p:graphicFrame>
+    </p:spTree>
+    <p:extLst>
+      <p:ext uri="{BB962C8B-B14F-4D97-AF65-F5344CB8AC3E}">
+        <p14:creationId xmlns:p14="http://schemas.microsoft.com/office/powerpoint/2010/main" val="3010039612"/>
+      </p:ext>
+    </p:extLst>
+  </p:cSld>
+  <p:clrMapOvr>
+    <a:masterClrMapping/>
+  </p:clrMapOvr>
+</p:sld>
+</file>
+
+<file path=ppt/slides/slide5.xml><?xml version="1.0" encoding="utf-8"?>
+<p:sld xmlns:a="http://schemas.openxmlformats.org/drawingml/2006/main" xmlns:r="http://schemas.openxmlformats.org/officeDocument/2006/relationships" xmlns:p="http://schemas.openxmlformats.org/presentationml/2006/main">
+  <p:cSld>
+    <p:spTree>
+      <p:nvGrpSpPr>
+        <p:cNvPr id="1" name=""/>
+        <p:cNvGrpSpPr/>
+        <p:nvPr/>
+      </p:nvGrpSpPr>
+      <p:grpSpPr>
+        <a:xfrm>
+          <a:off x="0" y="0"/>
+          <a:ext cx="0" cy="0"/>
+          <a:chOff x="0" y="0"/>
+          <a:chExt cx="0" cy="0"/>
+        </a:xfrm>
+      </p:grpSpPr>
+      <p:sp>
+        <p:nvSpPr>
+          <p:cNvPr id="2" name="Заголовок 1">
+            <a:extLst>
+              <a:ext uri="{FF2B5EF4-FFF2-40B4-BE49-F238E27FC236}">
                 <a16:creationId xmlns:a16="http://schemas.microsoft.com/office/drawing/2014/main" id="{894D9EFD-9E42-4D9F-A949-AA2BF1175A69}"/>
               </a:ext>
             </a:extLst>
@@ -7580,8 +8993,8 @@
         </p:nvSpPr>
         <p:spPr>
           <a:xfrm>
-            <a:off x="236855" y="0"/>
-            <a:ext cx="8876665" cy="1452400"/>
+            <a:off x="236855" y="97276"/>
+            <a:ext cx="9043332" cy="1355123"/>
           </a:xfrm>
         </p:spPr>
         <p:txBody>
@@ -7602,6 +9015,16 @@
               <a:t>	</a:t>
             </a:r>
             <a:r>
+              <a:rPr lang="ru-RU" sz="3000" b="1" dirty="0">
+                <a:solidFill>
+                  <a:schemeClr val="tx1"/>
+                </a:solidFill>
+                <a:latin typeface="Arial" panose="020B0604020202020204" pitchFamily="34" charset="0"/>
+                <a:cs typeface="Arial" panose="020B0604020202020204" pitchFamily="34" charset="0"/>
+              </a:rPr>
+              <a:t>Почему? </a:t>
+            </a:r>
+            <a:r>
               <a:rPr lang="ru-RU" sz="3000" b="1" dirty="0" err="1">
                 <a:solidFill>
                   <a:schemeClr val="tx1"/>
@@ -7669,7 +9092,7 @@
                 <a:latin typeface="Arial" panose="020B0604020202020204" pitchFamily="34" charset="0"/>
                 <a:cs typeface="Arial" panose="020B0604020202020204" pitchFamily="34" charset="0"/>
               </a:rPr>
-              <a:t>, использующий шаблон проектирования MVC. </a:t>
+              <a:t>, использующий шаблон проектирования MVC.</a:t>
             </a:r>
           </a:p>
         </p:txBody>
@@ -7722,7 +9145,7 @@
 </p:sld>
 </file>
 
-<file path=ppt/slides/slide4.xml><?xml version="1.0" encoding="utf-8"?>
+<file path=ppt/slides/slide6.xml><?xml version="1.0" encoding="utf-8"?>
 <p:sld xmlns:a="http://schemas.openxmlformats.org/drawingml/2006/main" xmlns:r="http://schemas.openxmlformats.org/officeDocument/2006/relationships" xmlns:p="http://schemas.openxmlformats.org/presentationml/2006/main">
   <p:cSld>
     <p:bg>
@@ -7818,7 +9241,7 @@
 </p:sld>
 </file>
 
-<file path=ppt/slides/slide5.xml><?xml version="1.0" encoding="utf-8"?>
+<file path=ppt/slides/slide7.xml><?xml version="1.0" encoding="utf-8"?>
 <p:sld xmlns:a="http://schemas.openxmlformats.org/drawingml/2006/main" xmlns:r="http://schemas.openxmlformats.org/officeDocument/2006/relationships" xmlns:p="http://schemas.openxmlformats.org/presentationml/2006/main" showMasterSp="0">
   <p:cSld>
     <p:spTree>
@@ -7878,7 +9301,7 @@
 </p:sld>
 </file>
 
-<file path=ppt/slides/slide6.xml><?xml version="1.0" encoding="utf-8"?>
+<file path=ppt/slides/slide8.xml><?xml version="1.0" encoding="utf-8"?>
 <p:sld xmlns:a="http://schemas.openxmlformats.org/drawingml/2006/main" xmlns:r="http://schemas.openxmlformats.org/officeDocument/2006/relationships" xmlns:p="http://schemas.openxmlformats.org/presentationml/2006/main" showMasterSp="0">
   <p:cSld>
     <p:spTree>
@@ -7940,7 +9363,7 @@
 </p:sld>
 </file>
 
-<file path=ppt/slides/slide7.xml><?xml version="1.0" encoding="utf-8"?>
+<file path=ppt/slides/slide9.xml><?xml version="1.0" encoding="utf-8"?>
 <p:sld xmlns:a="http://schemas.openxmlformats.org/drawingml/2006/main" xmlns:r="http://schemas.openxmlformats.org/officeDocument/2006/relationships" xmlns:p="http://schemas.openxmlformats.org/presentationml/2006/main" showMasterSp="0">
   <p:cSld>
     <p:spTree>
@@ -8002,226 +9425,6 @@
 </p:sld>
 </file>
 
-<file path=ppt/slides/slide8.xml><?xml version="1.0" encoding="utf-8"?>
-<p:sld xmlns:a="http://schemas.openxmlformats.org/drawingml/2006/main" xmlns:r="http://schemas.openxmlformats.org/officeDocument/2006/relationships" xmlns:p="http://schemas.openxmlformats.org/presentationml/2006/main" showMasterSp="0">
-  <p:cSld>
-    <p:spTree>
-      <p:nvGrpSpPr>
-        <p:cNvPr id="1" name=""/>
-        <p:cNvGrpSpPr/>
-        <p:nvPr/>
-      </p:nvGrpSpPr>
-      <p:grpSpPr>
-        <a:xfrm>
-          <a:off x="0" y="0"/>
-          <a:ext cx="0" cy="0"/>
-          <a:chOff x="0" y="0"/>
-          <a:chExt cx="0" cy="0"/>
-        </a:xfrm>
-      </p:grpSpPr>
-      <p:sp>
-        <p:nvSpPr>
-          <p:cNvPr id="2" name="Заголовок 1">
-            <a:extLst>
-              <a:ext uri="{FF2B5EF4-FFF2-40B4-BE49-F238E27FC236}">
-                <a16:creationId xmlns:a16="http://schemas.microsoft.com/office/drawing/2014/main" id="{CF0B9D98-1E66-48D8-A3E6-67CB0452B767}"/>
-              </a:ext>
-            </a:extLst>
-          </p:cNvPr>
-          <p:cNvSpPr>
-            <a:spLocks noGrp="1"/>
-          </p:cNvSpPr>
-          <p:nvPr>
-            <p:ph type="title"/>
-          </p:nvPr>
-        </p:nvSpPr>
-        <p:spPr/>
-        <p:txBody>
-          <a:bodyPr/>
-          <a:lstStyle/>
-          <a:p>
-            <a:endParaRPr lang="ru-RU"/>
-          </a:p>
-        </p:txBody>
-      </p:sp>
-      <p:sp>
-        <p:nvSpPr>
-          <p:cNvPr id="3" name="Объект 2">
-            <a:extLst>
-              <a:ext uri="{FF2B5EF4-FFF2-40B4-BE49-F238E27FC236}">
-                <a16:creationId xmlns:a16="http://schemas.microsoft.com/office/drawing/2014/main" id="{C5FA0163-A50F-400E-9FCA-B5EB685DC4D6}"/>
-              </a:ext>
-            </a:extLst>
-          </p:cNvPr>
-          <p:cNvSpPr>
-            <a:spLocks noGrp="1"/>
-          </p:cNvSpPr>
-          <p:nvPr>
-            <p:ph idx="1"/>
-          </p:nvPr>
-        </p:nvSpPr>
-        <p:spPr/>
-        <p:txBody>
-          <a:bodyPr/>
-          <a:lstStyle/>
-          <a:p>
-            <a:endParaRPr lang="ru-RU"/>
-          </a:p>
-        </p:txBody>
-      </p:sp>
-      <p:pic>
-        <p:nvPicPr>
-          <p:cNvPr id="4" name="Рисунок 3">
-            <a:extLst>
-              <a:ext uri="{FF2B5EF4-FFF2-40B4-BE49-F238E27FC236}">
-                <a16:creationId xmlns:a16="http://schemas.microsoft.com/office/drawing/2014/main" id="{1231D799-D89E-416B-9723-EC1555577C88}"/>
-              </a:ext>
-            </a:extLst>
-          </p:cNvPr>
-          <p:cNvPicPr>
-            <a:picLocks noChangeAspect="1"/>
-          </p:cNvPicPr>
-          <p:nvPr/>
-        </p:nvPicPr>
-        <p:blipFill>
-          <a:blip r:embed="rId2"/>
-          <a:stretch>
-            <a:fillRect/>
-          </a:stretch>
-        </p:blipFill>
-        <p:spPr>
-          <a:xfrm>
-            <a:off x="0" y="2780"/>
-            <a:ext cx="12192000" cy="6855220"/>
-          </a:xfrm>
-          <a:prstGeom prst="rect">
-            <a:avLst/>
-          </a:prstGeom>
-        </p:spPr>
-      </p:pic>
-    </p:spTree>
-    <p:extLst>
-      <p:ext uri="{BB962C8B-B14F-4D97-AF65-F5344CB8AC3E}">
-        <p14:creationId xmlns:p14="http://schemas.microsoft.com/office/powerpoint/2010/main" val="2676099337"/>
-      </p:ext>
-    </p:extLst>
-  </p:cSld>
-  <p:clrMapOvr>
-    <a:masterClrMapping/>
-  </p:clrMapOvr>
-</p:sld>
-</file>
-
-<file path=ppt/slides/slide9.xml><?xml version="1.0" encoding="utf-8"?>
-<p:sld xmlns:a="http://schemas.openxmlformats.org/drawingml/2006/main" xmlns:r="http://schemas.openxmlformats.org/officeDocument/2006/relationships" xmlns:p="http://schemas.openxmlformats.org/presentationml/2006/main" showMasterSp="0">
-  <p:cSld>
-    <p:spTree>
-      <p:nvGrpSpPr>
-        <p:cNvPr id="1" name=""/>
-        <p:cNvGrpSpPr/>
-        <p:nvPr/>
-      </p:nvGrpSpPr>
-      <p:grpSpPr>
-        <a:xfrm>
-          <a:off x="0" y="0"/>
-          <a:ext cx="0" cy="0"/>
-          <a:chOff x="0" y="0"/>
-          <a:chExt cx="0" cy="0"/>
-        </a:xfrm>
-      </p:grpSpPr>
-      <p:sp>
-        <p:nvSpPr>
-          <p:cNvPr id="2" name="Заголовок 1">
-            <a:extLst>
-              <a:ext uri="{FF2B5EF4-FFF2-40B4-BE49-F238E27FC236}">
-                <a16:creationId xmlns:a16="http://schemas.microsoft.com/office/drawing/2014/main" id="{33A408F7-B3E7-4700-B35B-58C4ECC432D5}"/>
-              </a:ext>
-            </a:extLst>
-          </p:cNvPr>
-          <p:cNvSpPr>
-            <a:spLocks noGrp="1"/>
-          </p:cNvSpPr>
-          <p:nvPr>
-            <p:ph type="title"/>
-          </p:nvPr>
-        </p:nvSpPr>
-        <p:spPr/>
-        <p:txBody>
-          <a:bodyPr/>
-          <a:lstStyle/>
-          <a:p>
-            <a:endParaRPr lang="ru-RU"/>
-          </a:p>
-        </p:txBody>
-      </p:sp>
-      <p:sp>
-        <p:nvSpPr>
-          <p:cNvPr id="3" name="Объект 2">
-            <a:extLst>
-              <a:ext uri="{FF2B5EF4-FFF2-40B4-BE49-F238E27FC236}">
-                <a16:creationId xmlns:a16="http://schemas.microsoft.com/office/drawing/2014/main" id="{610C84AE-DD64-4AB8-B0B9-5C17B463E1F1}"/>
-              </a:ext>
-            </a:extLst>
-          </p:cNvPr>
-          <p:cNvSpPr>
-            <a:spLocks noGrp="1"/>
-          </p:cNvSpPr>
-          <p:nvPr>
-            <p:ph idx="1"/>
-          </p:nvPr>
-        </p:nvSpPr>
-        <p:spPr/>
-        <p:txBody>
-          <a:bodyPr/>
-          <a:lstStyle/>
-          <a:p>
-            <a:endParaRPr lang="ru-RU"/>
-          </a:p>
-        </p:txBody>
-      </p:sp>
-      <p:pic>
-        <p:nvPicPr>
-          <p:cNvPr id="5" name="Рисунок 4">
-            <a:extLst>
-              <a:ext uri="{FF2B5EF4-FFF2-40B4-BE49-F238E27FC236}">
-                <a16:creationId xmlns:a16="http://schemas.microsoft.com/office/drawing/2014/main" id="{4FB0F035-5FA6-4575-9FB2-DEA8749D0E56}"/>
-              </a:ext>
-            </a:extLst>
-          </p:cNvPr>
-          <p:cNvPicPr>
-            <a:picLocks noChangeAspect="1"/>
-          </p:cNvPicPr>
-          <p:nvPr/>
-        </p:nvPicPr>
-        <p:blipFill>
-          <a:blip r:embed="rId3"/>
-          <a:stretch>
-            <a:fillRect/>
-          </a:stretch>
-        </p:blipFill>
-        <p:spPr>
-          <a:xfrm>
-            <a:off x="0" y="1390"/>
-            <a:ext cx="12192000" cy="6855220"/>
-          </a:xfrm>
-          <a:prstGeom prst="rect">
-            <a:avLst/>
-          </a:prstGeom>
-        </p:spPr>
-      </p:pic>
-    </p:spTree>
-    <p:extLst>
-      <p:ext uri="{BB962C8B-B14F-4D97-AF65-F5344CB8AC3E}">
-        <p14:creationId xmlns:p14="http://schemas.microsoft.com/office/powerpoint/2010/main" val="713564622"/>
-      </p:ext>
-    </p:extLst>
-  </p:cSld>
-  <p:clrMapOvr>
-    <a:masterClrMapping/>
-  </p:clrMapOvr>
-</p:sld>
-</file>
-
 <file path=ppt/theme/theme1.xml><?xml version="1.0" encoding="utf-8"?>
 <a:theme xmlns:a="http://schemas.openxmlformats.org/drawingml/2006/main" name="Аспект">
   <a:themeElements>
@@ -8239,28 +9442,28 @@
         <a:srgbClr val="EBEBEB"/>
       </a:lt2>
       <a:accent1>
-        <a:srgbClr val="90C226"/>
+        <a:srgbClr val="5FCBEF"/>
       </a:accent1>
       <a:accent2>
-        <a:srgbClr val="54A021"/>
+        <a:srgbClr val="2E83C3"/>
       </a:accent2>
       <a:accent3>
-        <a:srgbClr val="E6B91E"/>
+        <a:srgbClr val="42D0A2"/>
       </a:accent3>
       <a:accent4>
-        <a:srgbClr val="E76618"/>
+        <a:srgbClr val="2E946B"/>
       </a:accent4>
       <a:accent5>
-        <a:srgbClr val="C42F1A"/>
+        <a:srgbClr val="42B051"/>
       </a:accent5>
       <a:accent6>
-        <a:srgbClr val="918655"/>
+        <a:srgbClr val="96D141"/>
       </a:accent6>
       <a:hlink>
-        <a:srgbClr val="99CA3C"/>
+        <a:srgbClr val="3FCDE7"/>
       </a:hlink>
       <a:folHlink>
-        <a:srgbClr val="B9D181"/>
+        <a:srgbClr val="A9D3E1"/>
       </a:folHlink>
     </a:clrScheme>
     <a:fontScheme name="Аспект">
@@ -8473,7 +9676,7 @@
   <a:extraClrSchemeLst/>
   <a:extLst>
     <a:ext uri="{05A4C25C-085E-4340-85A3-A5531E510DB2}">
-      <thm15:themeFamily xmlns:thm15="http://schemas.microsoft.com/office/thememl/2012/main" name="Facet" id="{C0C680CD-088A-49FC-A102-D699147F32B2}" vid="{CFBC31BA-B70F-4F30-BCAA-4F3011E16C4D}"/>
+      <thm15:themeFamily xmlns:thm15="http://schemas.microsoft.com/office/thememl/2012/main" name="Facet" id="{C0C680CD-088A-49FC-A102-D699147F32B2}" vid="{0B5AB586-D108-4FC1-8368-649FE654B894}"/>
     </a:ext>
   </a:extLst>
 </a:theme>

--- a/Дипломная работа - Новостной сайт Олимпийских чемпионов .pptx
+++ b/Дипломная работа - Новостной сайт Олимпийских чемпионов .pptx
@@ -213,7 +213,7 @@
           <a:p>
             <a:fld id="{8E6BA91B-1ECF-45ED-B62E-AAAB5C45A9D4}" type="datetimeFigureOut">
               <a:rPr lang="ru-RU" smtClean="0"/>
-              <a:t>19/11/22</a:t>
+              <a:t>22/11/22</a:t>
             </a:fld>
             <a:endParaRPr lang="ru-RU"/>
           </a:p>
@@ -1729,7 +1729,7 @@
           <a:p>
             <a:fld id="{97AE02FA-A4AC-4568-95A0-16940B1AD5F6}" type="datetimeFigureOut">
               <a:rPr lang="ru-RU" smtClean="0"/>
-              <a:t>19/11/22</a:t>
+              <a:t>22/11/22</a:t>
             </a:fld>
             <a:endParaRPr lang="ru-RU"/>
           </a:p>
@@ -1980,7 +1980,7 @@
           <a:p>
             <a:fld id="{97AE02FA-A4AC-4568-95A0-16940B1AD5F6}" type="datetimeFigureOut">
               <a:rPr lang="ru-RU" smtClean="0"/>
-              <a:t>19/11/22</a:t>
+              <a:t>22/11/22</a:t>
             </a:fld>
             <a:endParaRPr lang="ru-RU"/>
           </a:p>
@@ -2294,7 +2294,7 @@
           <a:p>
             <a:fld id="{97AE02FA-A4AC-4568-95A0-16940B1AD5F6}" type="datetimeFigureOut">
               <a:rPr lang="ru-RU" smtClean="0"/>
-              <a:t>19/11/22</a:t>
+              <a:t>22/11/22</a:t>
             </a:fld>
             <a:endParaRPr lang="ru-RU"/>
           </a:p>
@@ -2627,7 +2627,7 @@
           <a:p>
             <a:fld id="{97AE02FA-A4AC-4568-95A0-16940B1AD5F6}" type="datetimeFigureOut">
               <a:rPr lang="ru-RU" smtClean="0"/>
-              <a:t>19/11/22</a:t>
+              <a:t>22/11/22</a:t>
             </a:fld>
             <a:endParaRPr lang="ru-RU"/>
           </a:p>
@@ -2941,7 +2941,7 @@
           <a:p>
             <a:fld id="{97AE02FA-A4AC-4568-95A0-16940B1AD5F6}" type="datetimeFigureOut">
               <a:rPr lang="ru-RU" smtClean="0"/>
-              <a:t>19/11/22</a:t>
+              <a:t>22/11/22</a:t>
             </a:fld>
             <a:endParaRPr lang="ru-RU"/>
           </a:p>
@@ -3334,7 +3334,7 @@
           <a:p>
             <a:fld id="{97AE02FA-A4AC-4568-95A0-16940B1AD5F6}" type="datetimeFigureOut">
               <a:rPr lang="ru-RU" smtClean="0"/>
-              <a:t>19/11/22</a:t>
+              <a:t>22/11/22</a:t>
             </a:fld>
             <a:endParaRPr lang="ru-RU"/>
           </a:p>
@@ -3504,7 +3504,7 @@
           <a:p>
             <a:fld id="{97AE02FA-A4AC-4568-95A0-16940B1AD5F6}" type="datetimeFigureOut">
               <a:rPr lang="ru-RU" smtClean="0"/>
-              <a:t>19/11/22</a:t>
+              <a:t>22/11/22</a:t>
             </a:fld>
             <a:endParaRPr lang="ru-RU"/>
           </a:p>
@@ -3684,7 +3684,7 @@
           <a:p>
             <a:fld id="{97AE02FA-A4AC-4568-95A0-16940B1AD5F6}" type="datetimeFigureOut">
               <a:rPr lang="ru-RU" smtClean="0"/>
-              <a:t>19/11/22</a:t>
+              <a:t>22/11/22</a:t>
             </a:fld>
             <a:endParaRPr lang="ru-RU"/>
           </a:p>
@@ -3854,7 +3854,7 @@
           <a:p>
             <a:fld id="{97AE02FA-A4AC-4568-95A0-16940B1AD5F6}" type="datetimeFigureOut">
               <a:rPr lang="ru-RU" smtClean="0"/>
-              <a:t>19/11/22</a:t>
+              <a:t>22/11/22</a:t>
             </a:fld>
             <a:endParaRPr lang="ru-RU"/>
           </a:p>
@@ -4101,7 +4101,7 @@
           <a:p>
             <a:fld id="{97AE02FA-A4AC-4568-95A0-16940B1AD5F6}" type="datetimeFigureOut">
               <a:rPr lang="ru-RU" smtClean="0"/>
-              <a:t>19/11/22</a:t>
+              <a:t>22/11/22</a:t>
             </a:fld>
             <a:endParaRPr lang="ru-RU"/>
           </a:p>
@@ -4333,7 +4333,7 @@
           <a:p>
             <a:fld id="{97AE02FA-A4AC-4568-95A0-16940B1AD5F6}" type="datetimeFigureOut">
               <a:rPr lang="ru-RU" smtClean="0"/>
-              <a:t>19/11/22</a:t>
+              <a:t>22/11/22</a:t>
             </a:fld>
             <a:endParaRPr lang="ru-RU"/>
           </a:p>
@@ -4707,7 +4707,7 @@
           <a:p>
             <a:fld id="{97AE02FA-A4AC-4568-95A0-16940B1AD5F6}" type="datetimeFigureOut">
               <a:rPr lang="ru-RU" smtClean="0"/>
-              <a:t>19/11/22</a:t>
+              <a:t>22/11/22</a:t>
             </a:fld>
             <a:endParaRPr lang="ru-RU"/>
           </a:p>
@@ -4830,7 +4830,7 @@
           <a:p>
             <a:fld id="{97AE02FA-A4AC-4568-95A0-16940B1AD5F6}" type="datetimeFigureOut">
               <a:rPr lang="ru-RU" smtClean="0"/>
-              <a:t>19/11/22</a:t>
+              <a:t>22/11/22</a:t>
             </a:fld>
             <a:endParaRPr lang="ru-RU"/>
           </a:p>
@@ -4925,7 +4925,7 @@
           <a:p>
             <a:fld id="{97AE02FA-A4AC-4568-95A0-16940B1AD5F6}" type="datetimeFigureOut">
               <a:rPr lang="ru-RU" smtClean="0"/>
-              <a:t>19/11/22</a:t>
+              <a:t>22/11/22</a:t>
             </a:fld>
             <a:endParaRPr lang="ru-RU"/>
           </a:p>
@@ -5180,7 +5180,7 @@
           <a:p>
             <a:fld id="{97AE02FA-A4AC-4568-95A0-16940B1AD5F6}" type="datetimeFigureOut">
               <a:rPr lang="ru-RU" smtClean="0"/>
-              <a:t>19/11/22</a:t>
+              <a:t>22/11/22</a:t>
             </a:fld>
             <a:endParaRPr lang="ru-RU"/>
           </a:p>
@@ -5485,7 +5485,7 @@
           <a:p>
             <a:fld id="{97AE02FA-A4AC-4568-95A0-16940B1AD5F6}" type="datetimeFigureOut">
               <a:rPr lang="ru-RU" smtClean="0"/>
-              <a:t>19/11/22</a:t>
+              <a:t>22/11/22</a:t>
             </a:fld>
             <a:endParaRPr lang="ru-RU"/>
           </a:p>
@@ -6187,7 +6187,7 @@
           <a:p>
             <a:fld id="{97AE02FA-A4AC-4568-95A0-16940B1AD5F6}" type="datetimeFigureOut">
               <a:rPr lang="ru-RU" smtClean="0"/>
-              <a:t>19/11/22</a:t>
+              <a:t>22/11/22</a:t>
             </a:fld>
             <a:endParaRPr lang="ru-RU"/>
           </a:p>
@@ -6783,17 +6783,17 @@
               <a:t>на тему: </a:t>
             </a:r>
             <a:r>
-              <a:rPr lang="ru-RU" sz="4000" cap="none" dirty="0">
+              <a:rPr lang="ru-RU" sz="3200" cap="none" dirty="0">
                 <a:solidFill>
                   <a:schemeClr val="tx1"/>
                 </a:solidFill>
                 <a:latin typeface="Arial" panose="020B0604020202020204" pitchFamily="34" charset="0"/>
                 <a:cs typeface="Arial" panose="020B0604020202020204" pitchFamily="34" charset="0"/>
               </a:rPr>
-              <a:t>Новостной сайт</a:t>
+              <a:t>новостной сайт</a:t>
             </a:r>
             <a:br>
-              <a:rPr lang="ru-RU" sz="4000" cap="none" dirty="0">
+              <a:rPr lang="ru-RU" sz="3200" cap="none" dirty="0">
                 <a:solidFill>
                   <a:schemeClr val="tx1"/>
                 </a:solidFill>
@@ -6802,7 +6802,7 @@
               </a:rPr>
             </a:br>
             <a:r>
-              <a:rPr lang="ru-RU" sz="4000" cap="none" dirty="0">
+              <a:rPr lang="ru-RU" sz="3200" cap="none" dirty="0">
                 <a:solidFill>
                   <a:schemeClr val="tx1"/>
                 </a:solidFill>
@@ -6811,7 +6811,7 @@
               </a:rPr>
               <a:t>«Олимпийских чемпионов»</a:t>
             </a:r>
-            <a:endParaRPr lang="ru-RU" sz="4000" dirty="0">
+            <a:endParaRPr lang="ru-RU" sz="3200" dirty="0">
               <a:solidFill>
                 <a:schemeClr val="tx1"/>
               </a:solidFill>
